--- a/Team1_Presentation.pptx
+++ b/Team1_Presentation.pptx
@@ -1,26 +1,39 @@
 
 <file path=ppt/presentation.xml><?xml version="1.0" encoding="utf-8"?>
-<p:presentation xmlns:a="http://schemas.openxmlformats.org/drawingml/2006/main" xmlns:r="http://schemas.openxmlformats.org/officeDocument/2006/relationships" xmlns:p="http://schemas.openxmlformats.org/presentationml/2006/main" saveSubsetFonts="1" autoCompressPictures="0">
+<p:presentation xmlns:a="http://schemas.openxmlformats.org/drawingml/2006/main" xmlns:r="http://schemas.openxmlformats.org/officeDocument/2006/relationships" xmlns:p="http://schemas.openxmlformats.org/presentationml/2006/main" autoCompressPictures="0">
   <p:sldMasterIdLst>
     <p:sldMasterId id="2147483648" r:id="rId1"/>
   </p:sldMasterIdLst>
   <p:notesMasterIdLst>
-    <p:notesMasterId r:id="rId12"/>
+    <p:notesMasterId r:id="rId5"/>
   </p:notesMasterIdLst>
   <p:handoutMasterIdLst>
-    <p:handoutMasterId r:id="rId13"/>
+    <p:handoutMasterId r:id="rId27"/>
   </p:handoutMasterIdLst>
   <p:sldIdLst>
-    <p:sldId id="261" r:id="rId2"/>
-    <p:sldId id="257" r:id="rId3"/>
-    <p:sldId id="262" r:id="rId4"/>
-    <p:sldId id="263" r:id="rId5"/>
-    <p:sldId id="264" r:id="rId6"/>
-    <p:sldId id="271" r:id="rId7"/>
-    <p:sldId id="272" r:id="rId8"/>
-    <p:sldId id="274" r:id="rId9"/>
-    <p:sldId id="275" r:id="rId10"/>
-    <p:sldId id="278" r:id="rId11"/>
+    <p:sldId id="261" r:id="rId3"/>
+    <p:sldId id="257" r:id="rId4"/>
+    <p:sldId id="262" r:id="rId6"/>
+    <p:sldId id="279" r:id="rId7"/>
+    <p:sldId id="280" r:id="rId8"/>
+    <p:sldId id="281" r:id="rId9"/>
+    <p:sldId id="282" r:id="rId10"/>
+    <p:sldId id="283" r:id="rId11"/>
+    <p:sldId id="284" r:id="rId12"/>
+    <p:sldId id="285" r:id="rId13"/>
+    <p:sldId id="296" r:id="rId14"/>
+    <p:sldId id="297" r:id="rId15"/>
+    <p:sldId id="298" r:id="rId16"/>
+    <p:sldId id="299" r:id="rId17"/>
+    <p:sldId id="300" r:id="rId18"/>
+    <p:sldId id="301" r:id="rId19"/>
+    <p:sldId id="302" r:id="rId20"/>
+    <p:sldId id="303" r:id="rId21"/>
+    <p:sldId id="275" r:id="rId22"/>
+    <p:sldId id="287" r:id="rId23"/>
+    <p:sldId id="304" r:id="rId24"/>
+    <p:sldId id="288" r:id="rId25"/>
+    <p:sldId id="278" r:id="rId26"/>
   </p:sldIdLst>
   <p:sldSz cx="12192000" cy="6858000"/>
   <p:notesSz cx="6858000" cy="9144000"/>
@@ -119,32 +132,13 @@
       </a:defRPr>
     </a:lvl9pPr>
   </p:defaultTextStyle>
-  <p:extLst>
-    <p:ext uri="{EFAFB233-063F-42B5-8137-9DF3F51BA10A}">
-      <p15:sldGuideLst xmlns:p15="http://schemas.microsoft.com/office/powerpoint/2012/main">
-        <p15:guide id="1" pos="3840" userDrawn="1">
-          <p15:clr>
-            <a:srgbClr val="A4A3A4"/>
-          </p15:clr>
-        </p15:guide>
-        <p15:guide id="2" orient="horz" pos="2160" userDrawn="1">
-          <p15:clr>
-            <a:srgbClr val="A4A3A4"/>
-          </p15:clr>
-        </p15:guide>
-      </p15:sldGuideLst>
-    </p:ext>
-    <p:ext uri="{2D200454-40CA-4A62-9FC3-DE9A4176ACB9}">
-      <p15:notesGuideLst xmlns:p15="http://schemas.microsoft.com/office/powerpoint/2012/main"/>
-    </p:ext>
-  </p:extLst>
 </p:presentation>
 </file>
 
 <file path=ppt/charts/chart1.xml><?xml version="1.0" encoding="utf-8"?>
-<c:chartSpace xmlns:c="http://schemas.openxmlformats.org/drawingml/2006/chart" xmlns:a="http://schemas.openxmlformats.org/drawingml/2006/main" xmlns:r="http://schemas.openxmlformats.org/officeDocument/2006/relationships" xmlns:c16r2="http://schemas.microsoft.com/office/drawing/2015/06/chart">
+<c:chartSpace xmlns:c="http://schemas.openxmlformats.org/drawingml/2006/chart" xmlns:a="http://schemas.openxmlformats.org/drawingml/2006/main" xmlns:r="http://schemas.openxmlformats.org/officeDocument/2006/relationships">
   <c:date1904 val="0"/>
-  <c:lang val="en-US"/>
+  <c:lang val="zh-CN"/>
   <c:roundedCorners val="0"/>
   <mc:AlternateContent xmlns:mc="http://schemas.openxmlformats.org/markup-compatibility/2006">
     <mc:Choice xmlns:c14="http://schemas.microsoft.com/office/drawing/2007/8/2/chart" Requires="c14">
@@ -156,6 +150,7 @@
   </mc:AlternateContent>
   <c:chart>
     <c:title>
+      <c:layout/>
       <c:overlay val="0"/>
       <c:spPr>
         <a:noFill/>
@@ -169,7 +164,7 @@
         <a:lstStyle/>
         <a:p>
           <a:pPr>
-            <a:defRPr sz="1862" b="0" i="0" u="none" strike="noStrike" kern="1200" spc="0" baseline="0">
+            <a:defRPr lang="en-US" sz="1860" b="0" i="0" u="none" strike="noStrike" kern="1200" spc="0" baseline="0">
               <a:solidFill>
                 <a:schemeClr val="tx1">
                   <a:lumMod val="65000"/>
@@ -181,7 +176,6 @@
               <a:cs typeface="+mn-cs"/>
             </a:defRPr>
           </a:pPr>
-          <a:endParaRPr lang="en-US"/>
         </a:p>
       </c:txPr>
     </c:title>
@@ -204,6 +198,8 @@
               </c:strCache>
             </c:strRef>
           </c:tx>
+          <c:spPr/>
+          <c:explosion val="0"/>
           <c:dPt>
             <c:idx val="0"/>
             <c:bubble3D val="0"/>
@@ -218,11 +214,6 @@
               </a:ln>
               <a:effectLst/>
             </c:spPr>
-            <c:extLst>
-              <c:ext xmlns:c16="http://schemas.microsoft.com/office/drawing/2014/chart" uri="{C3380CC4-5D6E-409C-BE32-E72D297353CC}">
-                <c16:uniqueId val="{00000001-87DF-4891-93CF-F0CA19C65928}"/>
-              </c:ext>
-            </c:extLst>
           </c:dPt>
           <c:dPt>
             <c:idx val="1"/>
@@ -238,11 +229,6 @@
               </a:ln>
               <a:effectLst/>
             </c:spPr>
-            <c:extLst>
-              <c:ext xmlns:c16="http://schemas.microsoft.com/office/drawing/2014/chart" uri="{C3380CC4-5D6E-409C-BE32-E72D297353CC}">
-                <c16:uniqueId val="{00000003-87DF-4891-93CF-F0CA19C65928}"/>
-              </c:ext>
-            </c:extLst>
           </c:dPt>
           <c:dPt>
             <c:idx val="2"/>
@@ -258,11 +244,6 @@
               </a:ln>
               <a:effectLst/>
             </c:spPr>
-            <c:extLst>
-              <c:ext xmlns:c16="http://schemas.microsoft.com/office/drawing/2014/chart" uri="{C3380CC4-5D6E-409C-BE32-E72D297353CC}">
-                <c16:uniqueId val="{00000005-87DF-4891-93CF-F0CA19C65928}"/>
-              </c:ext>
-            </c:extLst>
           </c:dPt>
           <c:dPt>
             <c:idx val="3"/>
@@ -278,12 +259,10 @@
               </a:ln>
               <a:effectLst/>
             </c:spPr>
-            <c:extLst>
-              <c:ext xmlns:c16="http://schemas.microsoft.com/office/drawing/2014/chart" uri="{C3380CC4-5D6E-409C-BE32-E72D297353CC}">
-                <c16:uniqueId val="{00000007-87DF-4891-93CF-F0CA19C65928}"/>
-              </c:ext>
-            </c:extLst>
           </c:dPt>
+          <c:dLbls>
+            <c:delete val="1"/>
+          </c:dLbls>
           <c:cat>
             <c:strRef>
               <c:f>Sheet1!$A$2:$A$5</c:f>
@@ -313,11 +292,6 @@
               </c:numCache>
             </c:numRef>
           </c:val>
-          <c:extLst>
-            <c:ext xmlns:c16="http://schemas.microsoft.com/office/drawing/2014/chart" uri="{C3380CC4-5D6E-409C-BE32-E72D297353CC}">
-              <c16:uniqueId val="{00000000-8335-4AF6-ACCC-6E182B39B133}"/>
-            </c:ext>
-          </c:extLst>
         </c:ser>
         <c:dLbls>
           <c:showLegendKey val="0"/>
@@ -340,6 +314,7 @@
     </c:plotArea>
     <c:legend>
       <c:legendPos val="b"/>
+      <c:layout/>
       <c:overlay val="0"/>
       <c:spPr>
         <a:noFill/>
@@ -353,7 +328,7 @@
         <a:lstStyle/>
         <a:p>
           <a:pPr>
-            <a:defRPr sz="1197" b="0" i="0" u="none" strike="noStrike" kern="1200" baseline="0">
+            <a:defRPr lang="en-US" sz="1195" b="0" i="0" u="none" strike="noStrike" kern="1200" baseline="0">
               <a:solidFill>
                 <a:schemeClr val="tx1">
                   <a:lumMod val="65000"/>
@@ -365,7 +340,6 @@
               <a:cs typeface="+mn-cs"/>
             </a:defRPr>
           </a:pPr>
-          <a:endParaRPr lang="en-US"/>
         </a:p>
       </c:txPr>
     </c:legend>
@@ -385,12 +359,11 @@
     <a:lstStyle/>
     <a:p>
       <a:pPr>
-        <a:defRPr/>
+        <a:defRPr lang="en-US"/>
       </a:pPr>
-      <a:endParaRPr lang="en-US"/>
     </a:p>
   </c:txPr>
-  <c:externalData r:id="rId3">
+  <c:externalData r:id="rId1">
     <c:autoUpdate val="0"/>
   </c:externalData>
 </c:chartSpace>
@@ -471,7 +444,7 @@
         <a:round/>
       </a:ln>
     </cs:spPr>
-    <cs:defRPr sz="1197" kern="1200"/>
+    <cs:defRPr sz="1195" kern="1200"/>
   </cs:categoryAxis>
   <cs:chartArea mods="allowNoFillOverride allowNoLineOverride">
     <cs:lnRef idx="0"/>
@@ -494,7 +467,7 @@
         <a:round/>
       </a:ln>
     </cs:spPr>
-    <cs:defRPr sz="1197" kern="1200"/>
+    <cs:defRPr sz="1195" kern="1200"/>
   </cs:chartArea>
   <cs:dataLabel>
     <cs:lnRef idx="0"/>
@@ -506,7 +479,7 @@
         <a:lumOff val="25000"/>
       </a:schemeClr>
     </cs:fontRef>
-    <cs:defRPr sz="1197" kern="1200"/>
+    <cs:defRPr sz="1195" kern="1200"/>
   </cs:dataLabel>
   <cs:dataLabelCallout>
     <cs:lnRef idx="0"/>
@@ -531,7 +504,7 @@
         </a:solidFill>
       </a:ln>
     </cs:spPr>
-    <cs:defRPr sz="1197" kern="1200"/>
+    <cs:defRPr sz="1195" kern="1200"/>
     <cs:bodyPr rot="0" spcFirstLastPara="1" vertOverflow="clip" horzOverflow="clip" vert="horz" wrap="square" lIns="36576" tIns="18288" rIns="36576" bIns="18288" anchor="ctr" anchorCtr="1">
       <a:spAutoFit/>
     </cs:bodyPr>
@@ -648,7 +621,7 @@
         <a:round/>
       </a:ln>
     </cs:spPr>
-    <cs:defRPr sz="1197" kern="1200"/>
+    <cs:defRPr sz="1195" kern="1200"/>
   </cs:dataTable>
   <cs:downBar>
     <cs:lnRef idx="0"/>
@@ -813,7 +786,7 @@
         <a:lumOff val="35000"/>
       </a:schemeClr>
     </cs:fontRef>
-    <cs:defRPr sz="1197" kern="1200"/>
+    <cs:defRPr sz="1195" kern="1200"/>
   </cs:legend>
   <cs:plotArea mods="allowNoFillOverride allowNoLineOverride">
     <cs:lnRef idx="0"/>
@@ -841,7 +814,7 @@
         <a:lumOff val="35000"/>
       </a:schemeClr>
     </cs:fontRef>
-    <cs:defRPr sz="1197" kern="1200"/>
+    <cs:defRPr sz="1195" kern="1200"/>
   </cs:seriesAxis>
   <cs:seriesLine>
     <cs:lnRef idx="0"/>
@@ -872,7 +845,7 @@
         <a:lumOff val="35000"/>
       </a:schemeClr>
     </cs:fontRef>
-    <cs:defRPr sz="1862" b="0" kern="1200" spc="0" baseline="0"/>
+    <cs:defRPr sz="1860" b="0" kern="1200" spc="0" baseline="0"/>
   </cs:title>
   <cs:trendline>
     <cs:lnRef idx="0">
@@ -902,7 +875,7 @@
         <a:lumOff val="35000"/>
       </a:schemeClr>
     </cs:fontRef>
-    <cs:defRPr sz="1197" kern="1200"/>
+    <cs:defRPr sz="1195" kern="1200"/>
   </cs:trendlineLabel>
   <cs:upBar>
     <cs:lnRef idx="0"/>
@@ -936,7 +909,7 @@
         <a:lumOff val="35000"/>
       </a:schemeClr>
     </cs:fontRef>
-    <cs:defRPr sz="1197" kern="1200"/>
+    <cs:defRPr sz="1195" kern="1200"/>
   </cs:valueAxis>
   <cs:wall>
     <cs:lnRef idx="0"/>
@@ -1037,7 +1010,6 @@
           <a:p>
             <a:fld id="{59041DB8-B66F-4DC8-A96E-33677E0F90FF}" type="datetimeFigureOut">
               <a:rPr lang="en-US" smtClean="0"/>
-              <a:t>7/21/2017</a:t>
             </a:fld>
             <a:endParaRPr lang="en-US"/>
           </a:p>
@@ -1103,18 +1075,12 @@
           <a:p>
             <a:fld id="{1604A0D4-B89B-4ADD-AF9E-38636B40EE4E}" type="slidenum">
               <a:rPr lang="en-US" smtClean="0"/>
-              <a:t>‹#›</a:t>
             </a:fld>
             <a:endParaRPr lang="en-US"/>
           </a:p>
         </p:txBody>
       </p:sp>
     </p:spTree>
-    <p:extLst>
-      <p:ext uri="{BB962C8B-B14F-4D97-AF65-F5344CB8AC3E}">
-        <p14:creationId xmlns:p14="http://schemas.microsoft.com/office/powerpoint/2010/main" val="4247389152"/>
-      </p:ext>
-    </p:extLst>
   </p:cSld>
   <p:clrMap bg1="lt1" tx1="dk1" bg2="lt2" tx2="dk2" accent1="accent1" accent2="accent2" accent3="accent3" accent4="accent4" accent5="accent5" accent6="accent6" hlink="hlink" folHlink="folHlink"/>
 </p:handoutMaster>
@@ -1202,7 +1168,6 @@
           <a:p>
             <a:fld id="{DEB49C4A-65AC-492D-9701-81B46C3AD0E4}" type="datetimeFigureOut">
               <a:rPr lang="en-US" smtClean="0"/>
-              <a:t>7/21/2017</a:t>
             </a:fld>
             <a:endParaRPr lang="en-US"/>
           </a:p>
@@ -1269,6 +1234,7 @@
               <a:rPr lang="en-US" dirty="0"/>
               <a:t>Click to edit Master text styles</a:t>
             </a:r>
+            <a:endParaRPr lang="en-US" dirty="0"/>
           </a:p>
           <a:p>
             <a:pPr lvl="1"/>
@@ -1276,6 +1242,7 @@
               <a:rPr lang="en-US" dirty="0"/>
               <a:t>Second level</a:t>
             </a:r>
+            <a:endParaRPr lang="en-US" dirty="0"/>
           </a:p>
           <a:p>
             <a:pPr lvl="2"/>
@@ -1283,6 +1250,7 @@
               <a:rPr lang="en-US" dirty="0"/>
               <a:t>Third level</a:t>
             </a:r>
+            <a:endParaRPr lang="en-US" dirty="0"/>
           </a:p>
           <a:p>
             <a:pPr lvl="3"/>
@@ -1290,6 +1258,7 @@
               <a:rPr lang="en-US" dirty="0"/>
               <a:t>Fourth level</a:t>
             </a:r>
+            <a:endParaRPr lang="en-US" dirty="0"/>
           </a:p>
           <a:p>
             <a:pPr lvl="4"/>
@@ -1297,6 +1266,7 @@
               <a:rPr lang="en-US" dirty="0"/>
               <a:t>Fifth level</a:t>
             </a:r>
+            <a:endParaRPr lang="en-US" dirty="0"/>
           </a:p>
         </p:txBody>
       </p:sp>
@@ -1360,18 +1330,12 @@
           <a:p>
             <a:fld id="{82869989-EB00-4EE7-BCB5-25BDC5BB29F8}" type="slidenum">
               <a:rPr lang="en-US" smtClean="0"/>
-              <a:t>‹#›</a:t>
             </a:fld>
             <a:endParaRPr lang="en-US"/>
           </a:p>
         </p:txBody>
       </p:sp>
     </p:spTree>
-    <p:extLst>
-      <p:ext uri="{BB962C8B-B14F-4D97-AF65-F5344CB8AC3E}">
-        <p14:creationId xmlns:p14="http://schemas.microsoft.com/office/powerpoint/2010/main" val="2193636149"/>
-      </p:ext>
-    </p:extLst>
   </p:cSld>
   <p:clrMap bg1="lt1" tx1="dk1" bg2="lt2" tx2="dk2" accent1="accent1" accent2="accent2" accent3="accent3" accent4="accent4" accent5="accent5" accent6="accent6" hlink="hlink" folHlink="folHlink"/>
   <p:notesStyle>
@@ -1534,18 +1498,12 @@
           <a:p>
             <a:fld id="{82869989-EB00-4EE7-BCB5-25BDC5BB29F8}" type="slidenum">
               <a:rPr lang="en-US" smtClean="0"/>
-              <a:t>2</a:t>
             </a:fld>
             <a:endParaRPr lang="en-US"/>
           </a:p>
         </p:txBody>
       </p:sp>
     </p:spTree>
-    <p:extLst>
-      <p:ext uri="{BB962C8B-B14F-4D97-AF65-F5344CB8AC3E}">
-        <p14:creationId xmlns:p14="http://schemas.microsoft.com/office/powerpoint/2010/main" val="1980303916"/>
-      </p:ext>
-    </p:extLst>
   </p:cSld>
   <p:clrMapOvr>
     <a:masterClrMapping/>
@@ -1554,7 +1512,7 @@
 </file>
 
 <file path=ppt/slideLayouts/slideLayout1.xml><?xml version="1.0" encoding="utf-8"?>
-<p:sldLayout xmlns:a="http://schemas.openxmlformats.org/drawingml/2006/main" xmlns:r="http://schemas.openxmlformats.org/officeDocument/2006/relationships" xmlns:p="http://schemas.openxmlformats.org/presentationml/2006/main" showMasterSp="0" type="title" preserve="1">
+<p:sldLayout xmlns:a="http://schemas.openxmlformats.org/drawingml/2006/main" xmlns:r="http://schemas.openxmlformats.org/officeDocument/2006/relationships" xmlns:p="http://schemas.openxmlformats.org/presentationml/2006/main" type="title" preserve="1" showMasterSp="0">
   <p:cSld name="Title Slide">
     <p:spTree>
       <p:nvGrpSpPr>
@@ -3506,6 +3464,7 @@
               <a:rPr lang="en-US"/>
               <a:t>Click to edit Master subtitle style</a:t>
             </a:r>
+            <a:endParaRPr lang="en-US"/>
           </a:p>
         </p:txBody>
       </p:sp>
@@ -3541,22 +3500,17 @@
         </p:style>
       </p:cxnSp>
     </p:spTree>
-    <p:extLst>
-      <p:ext uri="{BB962C8B-B14F-4D97-AF65-F5344CB8AC3E}">
-        <p14:creationId xmlns:p14="http://schemas.microsoft.com/office/powerpoint/2010/main" val="798862757"/>
-      </p:ext>
-    </p:extLst>
   </p:cSld>
   <p:clrMapOvr>
     <a:masterClrMapping/>
   </p:clrMapOvr>
-  <mc:AlternateContent xmlns:mc="http://schemas.openxmlformats.org/markup-compatibility/2006" xmlns:p14="http://schemas.microsoft.com/office/powerpoint/2010/main">
-    <mc:Choice Requires="p14">
+  <mc:AlternateContent xmlns:mc="http://schemas.openxmlformats.org/markup-compatibility/2006">
+    <mc:Choice xmlns:p14="http://schemas.microsoft.com/office/powerpoint/2010/main" Requires="p14">
       <p:transition spd="med" p14:dur="700">
         <p:fade/>
       </p:transition>
     </mc:Choice>
-    <mc:Fallback xmlns="">
+    <mc:Fallback>
       <p:transition spd="med">
         <p:fade/>
       </p:transition>
@@ -3601,6 +3555,7 @@
               <a:rPr lang="en-US"/>
               <a:t>Click to edit Master title style</a:t>
             </a:r>
+            <a:endParaRPr lang="en-US"/>
           </a:p>
         </p:txBody>
       </p:sp>
@@ -3624,6 +3579,7 @@
               <a:rPr lang="en-US"/>
               <a:t>Edit Master text styles</a:t>
             </a:r>
+            <a:endParaRPr lang="en-US"/>
           </a:p>
           <a:p>
             <a:pPr lvl="1"/>
@@ -3631,6 +3587,7 @@
               <a:rPr lang="en-US"/>
               <a:t>Second level</a:t>
             </a:r>
+            <a:endParaRPr lang="en-US"/>
           </a:p>
           <a:p>
             <a:pPr lvl="2"/>
@@ -3638,6 +3595,7 @@
               <a:rPr lang="en-US"/>
               <a:t>Third level</a:t>
             </a:r>
+            <a:endParaRPr lang="en-US"/>
           </a:p>
           <a:p>
             <a:pPr lvl="3"/>
@@ -3645,6 +3603,7 @@
               <a:rPr lang="en-US"/>
               <a:t>Fourth level</a:t>
             </a:r>
+            <a:endParaRPr lang="en-US"/>
           </a:p>
           <a:p>
             <a:pPr lvl="4"/>
@@ -3652,6 +3611,7 @@
               <a:rPr lang="en-US"/>
               <a:t>Fifth level</a:t>
             </a:r>
+            <a:endParaRPr lang="en-US"/>
           </a:p>
         </p:txBody>
       </p:sp>
@@ -3674,6 +3634,7 @@
               <a:rPr lang="en-US" dirty="0"/>
               <a:t>Add a footer</a:t>
             </a:r>
+            <a:endParaRPr lang="en-US" dirty="0"/>
           </a:p>
         </p:txBody>
       </p:sp>
@@ -3694,7 +3655,6 @@
           <a:p>
             <a:fld id="{384A29A4-78C8-47AB-BA06-22CB45938951}" type="datetime1">
               <a:rPr lang="en-US" smtClean="0"/>
-              <a:t>7/21/2017</a:t>
             </a:fld>
             <a:endParaRPr lang="en-US"/>
           </a:p>
@@ -3717,29 +3677,23 @@
           <a:p>
             <a:fld id="{E31375A4-56A4-47D6-9801-1991572033F7}" type="slidenum">
               <a:rPr lang="en-US" smtClean="0"/>
-              <a:t>‹#›</a:t>
             </a:fld>
             <a:endParaRPr lang="en-US"/>
           </a:p>
         </p:txBody>
       </p:sp>
     </p:spTree>
-    <p:extLst>
-      <p:ext uri="{BB962C8B-B14F-4D97-AF65-F5344CB8AC3E}">
-        <p14:creationId xmlns:p14="http://schemas.microsoft.com/office/powerpoint/2010/main" val="2477154221"/>
-      </p:ext>
-    </p:extLst>
   </p:cSld>
   <p:clrMapOvr>
     <a:masterClrMapping/>
   </p:clrMapOvr>
-  <mc:AlternateContent xmlns:mc="http://schemas.openxmlformats.org/markup-compatibility/2006" xmlns:p14="http://schemas.microsoft.com/office/powerpoint/2010/main">
-    <mc:Choice Requires="p14">
+  <mc:AlternateContent xmlns:mc="http://schemas.openxmlformats.org/markup-compatibility/2006">
+    <mc:Choice xmlns:p14="http://schemas.microsoft.com/office/powerpoint/2010/main" Requires="p14">
       <p:transition spd="med" p14:dur="700">
         <p:fade/>
       </p:transition>
     </mc:Choice>
-    <mc:Fallback xmlns="">
+    <mc:Fallback>
       <p:transition spd="med">
         <p:fade/>
       </p:transition>
@@ -3818,6 +3772,7 @@
               <a:rPr lang="en-US"/>
               <a:t>Edit Master text styles</a:t>
             </a:r>
+            <a:endParaRPr lang="en-US"/>
           </a:p>
           <a:p>
             <a:pPr lvl="1"/>
@@ -3825,6 +3780,7 @@
               <a:rPr lang="en-US"/>
               <a:t>Second level</a:t>
             </a:r>
+            <a:endParaRPr lang="en-US"/>
           </a:p>
           <a:p>
             <a:pPr lvl="2"/>
@@ -3832,6 +3788,7 @@
               <a:rPr lang="en-US"/>
               <a:t>Third level</a:t>
             </a:r>
+            <a:endParaRPr lang="en-US"/>
           </a:p>
           <a:p>
             <a:pPr lvl="3"/>
@@ -3839,6 +3796,7 @@
               <a:rPr lang="en-US"/>
               <a:t>Fourth level</a:t>
             </a:r>
+            <a:endParaRPr lang="en-US"/>
           </a:p>
           <a:p>
             <a:pPr lvl="4"/>
@@ -3869,6 +3827,7 @@
               <a:rPr lang="en-US" dirty="0"/>
               <a:t>Add a footer</a:t>
             </a:r>
+            <a:endParaRPr lang="en-US" dirty="0"/>
           </a:p>
         </p:txBody>
       </p:sp>
@@ -3889,7 +3848,6 @@
           <a:p>
             <a:fld id="{E1ED4ACF-2D82-46F2-A8E9-23963AA34E86}" type="datetime1">
               <a:rPr lang="en-US" smtClean="0"/>
-              <a:t>7/21/2017</a:t>
             </a:fld>
             <a:endParaRPr lang="en-US"/>
           </a:p>
@@ -3912,29 +3870,23 @@
           <a:p>
             <a:fld id="{E31375A4-56A4-47D6-9801-1991572033F7}" type="slidenum">
               <a:rPr lang="en-US" smtClean="0"/>
-              <a:t>‹#›</a:t>
             </a:fld>
             <a:endParaRPr lang="en-US"/>
           </a:p>
         </p:txBody>
       </p:sp>
     </p:spTree>
-    <p:extLst>
-      <p:ext uri="{BB962C8B-B14F-4D97-AF65-F5344CB8AC3E}">
-        <p14:creationId xmlns:p14="http://schemas.microsoft.com/office/powerpoint/2010/main" val="2524635021"/>
-      </p:ext>
-    </p:extLst>
   </p:cSld>
   <p:clrMapOvr>
     <a:masterClrMapping/>
   </p:clrMapOvr>
-  <mc:AlternateContent xmlns:mc="http://schemas.openxmlformats.org/markup-compatibility/2006" xmlns:p14="http://schemas.microsoft.com/office/powerpoint/2010/main">
-    <mc:Choice Requires="p14">
+  <mc:AlternateContent xmlns:mc="http://schemas.openxmlformats.org/markup-compatibility/2006">
+    <mc:Choice xmlns:p14="http://schemas.microsoft.com/office/powerpoint/2010/main" Requires="p14">
       <p:transition spd="med" p14:dur="700">
         <p:fade/>
       </p:transition>
     </mc:Choice>
-    <mc:Fallback xmlns="">
+    <mc:Fallback>
       <p:transition spd="med">
         <p:fade/>
       </p:transition>
@@ -3979,6 +3931,7 @@
               <a:rPr lang="en-US"/>
               <a:t>Click to edit Master title style</a:t>
             </a:r>
+            <a:endParaRPr lang="en-US"/>
           </a:p>
         </p:txBody>
       </p:sp>
@@ -4002,6 +3955,7 @@
               <a:rPr lang="en-US"/>
               <a:t>Edit Master text styles</a:t>
             </a:r>
+            <a:endParaRPr lang="en-US"/>
           </a:p>
           <a:p>
             <a:pPr lvl="1"/>
@@ -4009,6 +3963,7 @@
               <a:rPr lang="en-US"/>
               <a:t>Second level</a:t>
             </a:r>
+            <a:endParaRPr lang="en-US"/>
           </a:p>
           <a:p>
             <a:pPr lvl="2"/>
@@ -4016,6 +3971,7 @@
               <a:rPr lang="en-US"/>
               <a:t>Third level</a:t>
             </a:r>
+            <a:endParaRPr lang="en-US"/>
           </a:p>
           <a:p>
             <a:pPr lvl="3"/>
@@ -4023,6 +3979,7 @@
               <a:rPr lang="en-US"/>
               <a:t>Fourth level</a:t>
             </a:r>
+            <a:endParaRPr lang="en-US"/>
           </a:p>
           <a:p>
             <a:pPr lvl="4"/>
@@ -4053,6 +4010,7 @@
               <a:rPr lang="en-US" dirty="0"/>
               <a:t>Add a footer</a:t>
             </a:r>
+            <a:endParaRPr lang="en-US" dirty="0"/>
           </a:p>
         </p:txBody>
       </p:sp>
@@ -4073,7 +4031,6 @@
           <a:p>
             <a:fld id="{AE374B5B-21A0-4192-BF4C-38187F1A68D8}" type="datetime1">
               <a:rPr lang="en-US" smtClean="0"/>
-              <a:t>7/21/2017</a:t>
             </a:fld>
             <a:endParaRPr lang="en-US"/>
           </a:p>
@@ -4096,29 +4053,23 @@
           <a:p>
             <a:fld id="{E31375A4-56A4-47D6-9801-1991572033F7}" type="slidenum">
               <a:rPr lang="en-US" smtClean="0"/>
-              <a:t>‹#›</a:t>
             </a:fld>
             <a:endParaRPr lang="en-US"/>
           </a:p>
         </p:txBody>
       </p:sp>
     </p:spTree>
-    <p:extLst>
-      <p:ext uri="{BB962C8B-B14F-4D97-AF65-F5344CB8AC3E}">
-        <p14:creationId xmlns:p14="http://schemas.microsoft.com/office/powerpoint/2010/main" val="3112444112"/>
-      </p:ext>
-    </p:extLst>
   </p:cSld>
   <p:clrMapOvr>
     <a:masterClrMapping/>
   </p:clrMapOvr>
-  <mc:AlternateContent xmlns:mc="http://schemas.openxmlformats.org/markup-compatibility/2006" xmlns:p14="http://schemas.microsoft.com/office/powerpoint/2010/main">
-    <mc:Choice Requires="p14">
+  <mc:AlternateContent xmlns:mc="http://schemas.openxmlformats.org/markup-compatibility/2006">
+    <mc:Choice xmlns:p14="http://schemas.microsoft.com/office/powerpoint/2010/main" Requires="p14">
       <p:transition spd="med" p14:dur="700">
         <p:fade/>
       </p:transition>
     </mc:Choice>
-    <mc:Fallback xmlns="">
+    <mc:Fallback>
       <p:transition spd="med">
         <p:fade/>
       </p:transition>
@@ -4128,7 +4079,7 @@
 </file>
 
 <file path=ppt/slideLayouts/slideLayout3.xml><?xml version="1.0" encoding="utf-8"?>
-<p:sldLayout xmlns:a="http://schemas.openxmlformats.org/drawingml/2006/main" xmlns:r="http://schemas.openxmlformats.org/officeDocument/2006/relationships" xmlns:p="http://schemas.openxmlformats.org/presentationml/2006/main" showMasterSp="0" type="secHead" preserve="1">
+<p:sldLayout xmlns:a="http://schemas.openxmlformats.org/drawingml/2006/main" xmlns:r="http://schemas.openxmlformats.org/officeDocument/2006/relationships" xmlns:p="http://schemas.openxmlformats.org/presentationml/2006/main" type="secHead" preserve="1" showMasterSp="0">
   <p:cSld name="Section Header">
     <p:bg>
       <p:bgPr>
@@ -6100,6 +6051,7 @@
               <a:rPr lang="en-US"/>
               <a:t>Edit Master text styles</a:t>
             </a:r>
+            <a:endParaRPr lang="en-US"/>
           </a:p>
         </p:txBody>
       </p:sp>
@@ -6139,22 +6091,17 @@
         </p:style>
       </p:cxnSp>
     </p:spTree>
-    <p:extLst>
-      <p:ext uri="{BB962C8B-B14F-4D97-AF65-F5344CB8AC3E}">
-        <p14:creationId xmlns:p14="http://schemas.microsoft.com/office/powerpoint/2010/main" val="3506778040"/>
-      </p:ext>
-    </p:extLst>
   </p:cSld>
   <p:clrMapOvr>
     <a:overrideClrMapping bg1="dk1" tx1="lt1" bg2="dk2" tx2="lt2" accent1="accent1" accent2="accent2" accent3="accent3" accent4="accent4" accent5="accent5" accent6="accent6" hlink="hlink" folHlink="folHlink"/>
   </p:clrMapOvr>
-  <mc:AlternateContent xmlns:mc="http://schemas.openxmlformats.org/markup-compatibility/2006" xmlns:p14="http://schemas.microsoft.com/office/powerpoint/2010/main">
-    <mc:Choice Requires="p14">
+  <mc:AlternateContent xmlns:mc="http://schemas.openxmlformats.org/markup-compatibility/2006">
+    <mc:Choice xmlns:p14="http://schemas.microsoft.com/office/powerpoint/2010/main" Requires="p14">
       <p:transition spd="med" p14:dur="700">
         <p:fade/>
       </p:transition>
     </mc:Choice>
-    <mc:Fallback xmlns="">
+    <mc:Fallback>
       <p:transition spd="med">
         <p:fade/>
       </p:transition>
@@ -6199,6 +6146,7 @@
               <a:rPr lang="en-US"/>
               <a:t>Click to edit Master title style</a:t>
             </a:r>
+            <a:endParaRPr lang="en-US"/>
           </a:p>
         </p:txBody>
       </p:sp>
@@ -6257,6 +6205,7 @@
               <a:rPr lang="en-US"/>
               <a:t>Edit Master text styles</a:t>
             </a:r>
+            <a:endParaRPr lang="en-US"/>
           </a:p>
           <a:p>
             <a:pPr lvl="1"/>
@@ -6264,6 +6213,7 @@
               <a:rPr lang="en-US"/>
               <a:t>Second level</a:t>
             </a:r>
+            <a:endParaRPr lang="en-US"/>
           </a:p>
           <a:p>
             <a:pPr lvl="2"/>
@@ -6271,6 +6221,7 @@
               <a:rPr lang="en-US"/>
               <a:t>Third level</a:t>
             </a:r>
+            <a:endParaRPr lang="en-US"/>
           </a:p>
           <a:p>
             <a:pPr lvl="3"/>
@@ -6278,6 +6229,7 @@
               <a:rPr lang="en-US"/>
               <a:t>Fourth level</a:t>
             </a:r>
+            <a:endParaRPr lang="en-US"/>
           </a:p>
           <a:p>
             <a:pPr lvl="4"/>
@@ -6344,6 +6296,7 @@
               <a:rPr lang="en-US"/>
               <a:t>Edit Master text styles</a:t>
             </a:r>
+            <a:endParaRPr lang="en-US"/>
           </a:p>
           <a:p>
             <a:pPr lvl="1"/>
@@ -6351,6 +6304,7 @@
               <a:rPr lang="en-US"/>
               <a:t>Second level</a:t>
             </a:r>
+            <a:endParaRPr lang="en-US"/>
           </a:p>
           <a:p>
             <a:pPr lvl="2"/>
@@ -6358,6 +6312,7 @@
               <a:rPr lang="en-US"/>
               <a:t>Third level</a:t>
             </a:r>
+            <a:endParaRPr lang="en-US"/>
           </a:p>
           <a:p>
             <a:pPr lvl="3"/>
@@ -6365,6 +6320,7 @@
               <a:rPr lang="en-US"/>
               <a:t>Fourth level</a:t>
             </a:r>
+            <a:endParaRPr lang="en-US"/>
           </a:p>
           <a:p>
             <a:pPr lvl="4"/>
@@ -6372,6 +6328,7 @@
               <a:rPr lang="en-US"/>
               <a:t>Fifth level</a:t>
             </a:r>
+            <a:endParaRPr lang="en-US"/>
           </a:p>
         </p:txBody>
       </p:sp>
@@ -6394,6 +6351,7 @@
               <a:rPr lang="en-US" dirty="0"/>
               <a:t>Add a footer</a:t>
             </a:r>
+            <a:endParaRPr lang="en-US" dirty="0"/>
           </a:p>
         </p:txBody>
       </p:sp>
@@ -6414,7 +6372,6 @@
           <a:p>
             <a:fld id="{33B5CF7C-B333-48E1-A4A6-83A3C8B73AC0}" type="datetime1">
               <a:rPr lang="en-US" smtClean="0"/>
-              <a:t>7/21/2017</a:t>
             </a:fld>
             <a:endParaRPr lang="en-US"/>
           </a:p>
@@ -6437,29 +6394,23 @@
           <a:p>
             <a:fld id="{E31375A4-56A4-47D6-9801-1991572033F7}" type="slidenum">
               <a:rPr lang="en-US" smtClean="0"/>
-              <a:t>‹#›</a:t>
             </a:fld>
             <a:endParaRPr lang="en-US"/>
           </a:p>
         </p:txBody>
       </p:sp>
     </p:spTree>
-    <p:extLst>
-      <p:ext uri="{BB962C8B-B14F-4D97-AF65-F5344CB8AC3E}">
-        <p14:creationId xmlns:p14="http://schemas.microsoft.com/office/powerpoint/2010/main" val="4044567947"/>
-      </p:ext>
-    </p:extLst>
   </p:cSld>
   <p:clrMapOvr>
     <a:masterClrMapping/>
   </p:clrMapOvr>
-  <mc:AlternateContent xmlns:mc="http://schemas.openxmlformats.org/markup-compatibility/2006" xmlns:p14="http://schemas.microsoft.com/office/powerpoint/2010/main">
-    <mc:Choice Requires="p14">
+  <mc:AlternateContent xmlns:mc="http://schemas.openxmlformats.org/markup-compatibility/2006">
+    <mc:Choice xmlns:p14="http://schemas.microsoft.com/office/powerpoint/2010/main" Requires="p14">
       <p:transition spd="med" p14:dur="700">
         <p:fade/>
       </p:transition>
     </mc:Choice>
-    <mc:Fallback xmlns="">
+    <mc:Fallback>
       <p:transition spd="med">
         <p:fade/>
       </p:transition>
@@ -6504,6 +6455,7 @@
               <a:rPr lang="en-US"/>
               <a:t>Click to edit Master title style</a:t>
             </a:r>
+            <a:endParaRPr lang="en-US"/>
           </a:p>
         </p:txBody>
       </p:sp>
@@ -6578,6 +6530,7 @@
               <a:rPr lang="en-US"/>
               <a:t>Edit Master text styles</a:t>
             </a:r>
+            <a:endParaRPr lang="en-US"/>
           </a:p>
         </p:txBody>
       </p:sp>
@@ -6636,6 +6589,7 @@
               <a:rPr lang="en-US"/>
               <a:t>Edit Master text styles</a:t>
             </a:r>
+            <a:endParaRPr lang="en-US"/>
           </a:p>
           <a:p>
             <a:pPr lvl="1"/>
@@ -6643,6 +6597,7 @@
               <a:rPr lang="en-US"/>
               <a:t>Second level</a:t>
             </a:r>
+            <a:endParaRPr lang="en-US"/>
           </a:p>
           <a:p>
             <a:pPr lvl="2"/>
@@ -6650,6 +6605,7 @@
               <a:rPr lang="en-US"/>
               <a:t>Third level</a:t>
             </a:r>
+            <a:endParaRPr lang="en-US"/>
           </a:p>
           <a:p>
             <a:pPr lvl="3"/>
@@ -6657,6 +6613,7 @@
               <a:rPr lang="en-US"/>
               <a:t>Fourth level</a:t>
             </a:r>
+            <a:endParaRPr lang="en-US"/>
           </a:p>
           <a:p>
             <a:pPr lvl="4"/>
@@ -6739,6 +6696,7 @@
               <a:rPr lang="en-US"/>
               <a:t>Edit Master text styles</a:t>
             </a:r>
+            <a:endParaRPr lang="en-US"/>
           </a:p>
         </p:txBody>
       </p:sp>
@@ -6797,6 +6755,7 @@
               <a:rPr lang="en-US"/>
               <a:t>Edit Master text styles</a:t>
             </a:r>
+            <a:endParaRPr lang="en-US"/>
           </a:p>
           <a:p>
             <a:pPr lvl="1"/>
@@ -6804,6 +6763,7 @@
               <a:rPr lang="en-US"/>
               <a:t>Second level</a:t>
             </a:r>
+            <a:endParaRPr lang="en-US"/>
           </a:p>
           <a:p>
             <a:pPr lvl="2"/>
@@ -6811,6 +6771,7 @@
               <a:rPr lang="en-US"/>
               <a:t>Third level</a:t>
             </a:r>
+            <a:endParaRPr lang="en-US"/>
           </a:p>
           <a:p>
             <a:pPr lvl="3"/>
@@ -6818,6 +6779,7 @@
               <a:rPr lang="en-US"/>
               <a:t>Fourth level</a:t>
             </a:r>
+            <a:endParaRPr lang="en-US"/>
           </a:p>
           <a:p>
             <a:pPr lvl="4"/>
@@ -6825,6 +6787,7 @@
               <a:rPr lang="en-US"/>
               <a:t>Fifth level</a:t>
             </a:r>
+            <a:endParaRPr lang="en-US"/>
           </a:p>
         </p:txBody>
       </p:sp>
@@ -6847,6 +6810,7 @@
               <a:rPr lang="en-US" dirty="0"/>
               <a:t>Add a footer</a:t>
             </a:r>
+            <a:endParaRPr lang="en-US" dirty="0"/>
           </a:p>
         </p:txBody>
       </p:sp>
@@ -6867,7 +6831,6 @@
           <a:p>
             <a:fld id="{AE320762-5CBF-4210-AB54-376B091119F8}" type="datetime1">
               <a:rPr lang="en-US" smtClean="0"/>
-              <a:t>7/21/2017</a:t>
             </a:fld>
             <a:endParaRPr lang="en-US"/>
           </a:p>
@@ -6890,29 +6853,23 @@
           <a:p>
             <a:fld id="{E31375A4-56A4-47D6-9801-1991572033F7}" type="slidenum">
               <a:rPr lang="en-US" smtClean="0"/>
-              <a:t>‹#›</a:t>
             </a:fld>
             <a:endParaRPr lang="en-US"/>
           </a:p>
         </p:txBody>
       </p:sp>
     </p:spTree>
-    <p:extLst>
-      <p:ext uri="{BB962C8B-B14F-4D97-AF65-F5344CB8AC3E}">
-        <p14:creationId xmlns:p14="http://schemas.microsoft.com/office/powerpoint/2010/main" val="3397906568"/>
-      </p:ext>
-    </p:extLst>
   </p:cSld>
   <p:clrMapOvr>
     <a:masterClrMapping/>
   </p:clrMapOvr>
-  <mc:AlternateContent xmlns:mc="http://schemas.openxmlformats.org/markup-compatibility/2006" xmlns:p14="http://schemas.microsoft.com/office/powerpoint/2010/main">
-    <mc:Choice Requires="p14">
+  <mc:AlternateContent xmlns:mc="http://schemas.openxmlformats.org/markup-compatibility/2006">
+    <mc:Choice xmlns:p14="http://schemas.microsoft.com/office/powerpoint/2010/main" Requires="p14">
       <p:transition spd="med" p14:dur="700">
         <p:fade/>
       </p:transition>
     </mc:Choice>
-    <mc:Fallback xmlns="">
+    <mc:Fallback>
       <p:transition spd="med">
         <p:fade/>
       </p:transition>
@@ -6957,6 +6914,7 @@
               <a:rPr lang="en-US"/>
               <a:t>Click to edit Master title style</a:t>
             </a:r>
+            <a:endParaRPr lang="en-US"/>
           </a:p>
         </p:txBody>
       </p:sp>
@@ -6979,6 +6937,7 @@
               <a:rPr lang="en-US" dirty="0"/>
               <a:t>Add a footer</a:t>
             </a:r>
+            <a:endParaRPr lang="en-US" dirty="0"/>
           </a:p>
         </p:txBody>
       </p:sp>
@@ -6999,7 +6958,6 @@
           <a:p>
             <a:fld id="{7F0DB371-BF5F-4058-A212-1A908E4D2674}" type="datetime1">
               <a:rPr lang="en-US" smtClean="0"/>
-              <a:t>7/21/2017</a:t>
             </a:fld>
             <a:endParaRPr lang="en-US"/>
           </a:p>
@@ -7022,29 +6980,23 @@
           <a:p>
             <a:fld id="{E31375A4-56A4-47D6-9801-1991572033F7}" type="slidenum">
               <a:rPr lang="en-US" smtClean="0"/>
-              <a:t>‹#›</a:t>
             </a:fld>
             <a:endParaRPr lang="en-US"/>
           </a:p>
         </p:txBody>
       </p:sp>
     </p:spTree>
-    <p:extLst>
-      <p:ext uri="{BB962C8B-B14F-4D97-AF65-F5344CB8AC3E}">
-        <p14:creationId xmlns:p14="http://schemas.microsoft.com/office/powerpoint/2010/main" val="3238976713"/>
-      </p:ext>
-    </p:extLst>
   </p:cSld>
   <p:clrMapOvr>
     <a:masterClrMapping/>
   </p:clrMapOvr>
-  <mc:AlternateContent xmlns:mc="http://schemas.openxmlformats.org/markup-compatibility/2006" xmlns:p14="http://schemas.microsoft.com/office/powerpoint/2010/main">
-    <mc:Choice Requires="p14">
+  <mc:AlternateContent xmlns:mc="http://schemas.openxmlformats.org/markup-compatibility/2006">
+    <mc:Choice xmlns:p14="http://schemas.microsoft.com/office/powerpoint/2010/main" Requires="p14">
       <p:transition spd="med" p14:dur="700">
         <p:fade/>
       </p:transition>
     </mc:Choice>
-    <mc:Fallback xmlns="">
+    <mc:Fallback>
       <p:transition spd="med">
         <p:fade/>
       </p:transition>
@@ -7054,7 +7006,7 @@
 </file>
 
 <file path=ppt/slideLayouts/slideLayout7.xml><?xml version="1.0" encoding="utf-8"?>
-<p:sldLayout xmlns:a="http://schemas.openxmlformats.org/drawingml/2006/main" xmlns:r="http://schemas.openxmlformats.org/officeDocument/2006/relationships" xmlns:p="http://schemas.openxmlformats.org/presentationml/2006/main" showMasterSp="0" type="blank" preserve="1">
+<p:sldLayout xmlns:a="http://schemas.openxmlformats.org/drawingml/2006/main" xmlns:r="http://schemas.openxmlformats.org/officeDocument/2006/relationships" xmlns:p="http://schemas.openxmlformats.org/presentationml/2006/main" type="blank" preserve="1" showMasterSp="0">
   <p:cSld name="Blank">
     <p:spTree>
       <p:nvGrpSpPr>
@@ -8912,6 +8864,7 @@
               <a:rPr lang="en-US" dirty="0"/>
               <a:t>Add a footer</a:t>
             </a:r>
+            <a:endParaRPr lang="en-US" dirty="0"/>
           </a:p>
         </p:txBody>
       </p:sp>
@@ -8932,7 +8885,6 @@
           <a:p>
             <a:fld id="{60A4083B-90AA-48CF-BAD5-00AA24D7F288}" type="datetime1">
               <a:rPr lang="en-US" smtClean="0"/>
-              <a:t>7/21/2017</a:t>
             </a:fld>
             <a:endParaRPr lang="en-US"/>
           </a:p>
@@ -8955,30 +8907,23 @@
           <a:p>
             <a:fld id="{E31375A4-56A4-47D6-9801-1991572033F7}" type="slidenum">
               <a:rPr lang="en-US" smtClean="0"/>
-              <a:pPr/>
-              <a:t>‹#›</a:t>
             </a:fld>
             <a:endParaRPr lang="en-US"/>
           </a:p>
         </p:txBody>
       </p:sp>
     </p:spTree>
-    <p:extLst>
-      <p:ext uri="{BB962C8B-B14F-4D97-AF65-F5344CB8AC3E}">
-        <p14:creationId xmlns:p14="http://schemas.microsoft.com/office/powerpoint/2010/main" val="2146817227"/>
-      </p:ext>
-    </p:extLst>
   </p:cSld>
   <p:clrMapOvr>
     <a:masterClrMapping/>
   </p:clrMapOvr>
-  <mc:AlternateContent xmlns:mc="http://schemas.openxmlformats.org/markup-compatibility/2006" xmlns:p14="http://schemas.microsoft.com/office/powerpoint/2010/main">
-    <mc:Choice Requires="p14">
+  <mc:AlternateContent xmlns:mc="http://schemas.openxmlformats.org/markup-compatibility/2006">
+    <mc:Choice xmlns:p14="http://schemas.microsoft.com/office/powerpoint/2010/main" Requires="p14">
       <p:transition spd="med" p14:dur="700">
         <p:fade/>
       </p:transition>
     </mc:Choice>
-    <mc:Fallback xmlns="">
+    <mc:Fallback>
       <p:transition spd="med">
         <p:fade/>
       </p:transition>
@@ -8988,7 +8933,7 @@
 </file>
 
 <file path=ppt/slideLayouts/slideLayout8.xml><?xml version="1.0" encoding="utf-8"?>
-<p:sldLayout xmlns:a="http://schemas.openxmlformats.org/drawingml/2006/main" xmlns:r="http://schemas.openxmlformats.org/officeDocument/2006/relationships" xmlns:p="http://schemas.openxmlformats.org/presentationml/2006/main" showMasterSp="0" type="objTx" preserve="1">
+<p:sldLayout xmlns:a="http://schemas.openxmlformats.org/drawingml/2006/main" xmlns:r="http://schemas.openxmlformats.org/officeDocument/2006/relationships" xmlns:p="http://schemas.openxmlformats.org/presentationml/2006/main" type="objTx" preserve="1" showMasterSp="0">
   <p:cSld name="Content with Caption">
     <p:bg>
       <p:bgPr>
@@ -11002,6 +10947,7 @@
               <a:rPr lang="en-US"/>
               <a:t>Edit Master text styles</a:t>
             </a:r>
+            <a:endParaRPr lang="en-US"/>
           </a:p>
           <a:p>
             <a:pPr lvl="1"/>
@@ -11009,6 +10955,7 @@
               <a:rPr lang="en-US"/>
               <a:t>Second level</a:t>
             </a:r>
+            <a:endParaRPr lang="en-US"/>
           </a:p>
           <a:p>
             <a:pPr lvl="2"/>
@@ -11016,6 +10963,7 @@
               <a:rPr lang="en-US"/>
               <a:t>Third level</a:t>
             </a:r>
+            <a:endParaRPr lang="en-US"/>
           </a:p>
           <a:p>
             <a:pPr lvl="3"/>
@@ -11023,6 +10971,7 @@
               <a:rPr lang="en-US"/>
               <a:t>Fourth level</a:t>
             </a:r>
+            <a:endParaRPr lang="en-US"/>
           </a:p>
           <a:p>
             <a:pPr lvl="4"/>
@@ -11105,6 +11054,7 @@
               <a:rPr lang="en-US"/>
               <a:t>Edit Master text styles</a:t>
             </a:r>
+            <a:endParaRPr lang="en-US"/>
           </a:p>
         </p:txBody>
       </p:sp>
@@ -11162,6 +11112,7 @@
               <a:rPr lang="en-US" dirty="0"/>
               <a:t>Add a footer</a:t>
             </a:r>
+            <a:endParaRPr lang="en-US" dirty="0"/>
           </a:p>
         </p:txBody>
       </p:sp>
@@ -11190,8 +11141,6 @@
           <a:p>
             <a:fld id="{F5BAF629-ECA2-4CF3-B790-9D9BDED98269}" type="datetime1">
               <a:rPr lang="en-US" smtClean="0"/>
-              <a:pPr/>
-              <a:t>7/21/2017</a:t>
             </a:fld>
             <a:endParaRPr lang="en-US"/>
           </a:p>
@@ -11222,30 +11171,23 @@
           <a:p>
             <a:fld id="{E31375A4-56A4-47D6-9801-1991572033F7}" type="slidenum">
               <a:rPr lang="en-US" smtClean="0"/>
-              <a:pPr/>
-              <a:t>‹#›</a:t>
             </a:fld>
             <a:endParaRPr lang="en-US"/>
           </a:p>
         </p:txBody>
       </p:sp>
     </p:spTree>
-    <p:extLst>
-      <p:ext uri="{BB962C8B-B14F-4D97-AF65-F5344CB8AC3E}">
-        <p14:creationId xmlns:p14="http://schemas.microsoft.com/office/powerpoint/2010/main" val="1667374130"/>
-      </p:ext>
-    </p:extLst>
   </p:cSld>
   <p:clrMapOvr>
     <a:masterClrMapping/>
   </p:clrMapOvr>
-  <mc:AlternateContent xmlns:mc="http://schemas.openxmlformats.org/markup-compatibility/2006" xmlns:p14="http://schemas.microsoft.com/office/powerpoint/2010/main">
-    <mc:Choice Requires="p14">
+  <mc:AlternateContent xmlns:mc="http://schemas.openxmlformats.org/markup-compatibility/2006">
+    <mc:Choice xmlns:p14="http://schemas.microsoft.com/office/powerpoint/2010/main" Requires="p14">
       <p:transition spd="med" p14:dur="700">
         <p:fade/>
       </p:transition>
     </mc:Choice>
-    <mc:Fallback xmlns="">
+    <mc:Fallback>
       <p:transition spd="med">
         <p:fade/>
       </p:transition>
@@ -11255,7 +11197,7 @@
 </file>
 
 <file path=ppt/slideLayouts/slideLayout9.xml><?xml version="1.0" encoding="utf-8"?>
-<p:sldLayout xmlns:a="http://schemas.openxmlformats.org/drawingml/2006/main" xmlns:r="http://schemas.openxmlformats.org/officeDocument/2006/relationships" xmlns:p="http://schemas.openxmlformats.org/presentationml/2006/main" showMasterSp="0" type="picTx" preserve="1">
+<p:sldLayout xmlns:a="http://schemas.openxmlformats.org/drawingml/2006/main" xmlns:r="http://schemas.openxmlformats.org/officeDocument/2006/relationships" xmlns:p="http://schemas.openxmlformats.org/presentationml/2006/main" type="picTx" preserve="1" showMasterSp="0">
   <p:cSld name="Picture with Caption">
     <p:bg>
       <p:bgPr>
@@ -13245,6 +13187,7 @@
               <a:rPr lang="en-US"/>
               <a:t>Click to edit Master title style</a:t>
             </a:r>
+            <a:endParaRPr lang="en-US"/>
           </a:p>
         </p:txBody>
       </p:sp>
@@ -13311,6 +13254,7 @@
               <a:rPr lang="en-US"/>
               <a:t>Click icon to add picture</a:t>
             </a:r>
+            <a:endParaRPr lang="en-US"/>
           </a:p>
         </p:txBody>
       </p:sp>
@@ -13383,26 +13327,22 @@
               <a:rPr lang="en-US"/>
               <a:t>Edit Master text styles</a:t>
             </a:r>
+            <a:endParaRPr lang="en-US"/>
           </a:p>
         </p:txBody>
       </p:sp>
     </p:spTree>
-    <p:extLst>
-      <p:ext uri="{BB962C8B-B14F-4D97-AF65-F5344CB8AC3E}">
-        <p14:creationId xmlns:p14="http://schemas.microsoft.com/office/powerpoint/2010/main" val="620318007"/>
-      </p:ext>
-    </p:extLst>
   </p:cSld>
   <p:clrMapOvr>
     <a:masterClrMapping/>
   </p:clrMapOvr>
-  <mc:AlternateContent xmlns:mc="http://schemas.openxmlformats.org/markup-compatibility/2006" xmlns:p14="http://schemas.microsoft.com/office/powerpoint/2010/main">
-    <mc:Choice Requires="p14">
+  <mc:AlternateContent xmlns:mc="http://schemas.openxmlformats.org/markup-compatibility/2006">
+    <mc:Choice xmlns:p14="http://schemas.microsoft.com/office/powerpoint/2010/main" Requires="p14">
       <p:transition spd="med" p14:dur="700">
         <p:fade/>
       </p:transition>
     </mc:Choice>
-    <mc:Fallback xmlns="">
+    <mc:Fallback>
       <p:transition spd="med">
         <p:fade/>
       </p:transition>
@@ -15339,6 +15279,7 @@
               <a:rPr lang="en-US"/>
               <a:t>Edit Master text styles</a:t>
             </a:r>
+            <a:endParaRPr lang="en-US"/>
           </a:p>
           <a:p>
             <a:pPr lvl="1"/>
@@ -15346,6 +15287,7 @@
               <a:rPr lang="en-US"/>
               <a:t>Second level</a:t>
             </a:r>
+            <a:endParaRPr lang="en-US"/>
           </a:p>
           <a:p>
             <a:pPr lvl="2"/>
@@ -15353,6 +15295,7 @@
               <a:rPr lang="en-US"/>
               <a:t>Third level</a:t>
             </a:r>
+            <a:endParaRPr lang="en-US"/>
           </a:p>
           <a:p>
             <a:pPr lvl="3"/>
@@ -15360,6 +15303,7 @@
               <a:rPr lang="en-US"/>
               <a:t>Fourth level</a:t>
             </a:r>
+            <a:endParaRPr lang="en-US"/>
           </a:p>
           <a:p>
             <a:pPr lvl="4"/>
@@ -15446,6 +15390,7 @@
               <a:rPr lang="en-US" dirty="0"/>
               <a:t>Add a footer</a:t>
             </a:r>
+            <a:endParaRPr lang="en-US" dirty="0"/>
           </a:p>
         </p:txBody>
       </p:sp>
@@ -15485,8 +15430,6 @@
           <a:p>
             <a:fld id="{B51B2453-8663-4C69-AF73-9FD7B1DEC5D0}" type="datetime1">
               <a:rPr lang="en-US" smtClean="0"/>
-              <a:pPr/>
-              <a:t>7/21/2017</a:t>
             </a:fld>
             <a:endParaRPr lang="en-US" dirty="0"/>
           </a:p>
@@ -15528,19 +15471,12 @@
           <a:p>
             <a:fld id="{E31375A4-56A4-47D6-9801-1991572033F7}" type="slidenum">
               <a:rPr lang="en-US" smtClean="0"/>
-              <a:pPr/>
-              <a:t>‹#›</a:t>
             </a:fld>
             <a:endParaRPr lang="en-US" dirty="0"/>
           </a:p>
         </p:txBody>
       </p:sp>
     </p:spTree>
-    <p:extLst>
-      <p:ext uri="{BB962C8B-B14F-4D97-AF65-F5344CB8AC3E}">
-        <p14:creationId xmlns:p14="http://schemas.microsoft.com/office/powerpoint/2010/main" val="1943259863"/>
-      </p:ext>
-    </p:extLst>
   </p:cSld>
   <p:clrMap bg1="lt1" tx1="dk1" bg2="lt2" tx2="dk2" accent1="accent1" accent2="accent2" accent3="accent3" accent4="accent4" accent5="accent5" accent6="accent6" hlink="hlink" folHlink="folHlink"/>
   <p:sldLayoutIdLst>
@@ -15552,17 +15488,17 @@
     <p:sldLayoutId id="2147483654" r:id="rId6"/>
     <p:sldLayoutId id="2147483655" r:id="rId7"/>
     <p:sldLayoutId id="2147483656" r:id="rId8"/>
-    <p:sldLayoutId id="2147483669" r:id="rId9"/>
+    <p:sldLayoutId id="2147483657" r:id="rId9"/>
     <p:sldLayoutId id="2147483658" r:id="rId10"/>
     <p:sldLayoutId id="2147483659" r:id="rId11"/>
   </p:sldLayoutIdLst>
-  <mc:AlternateContent xmlns:mc="http://schemas.openxmlformats.org/markup-compatibility/2006" xmlns:p14="http://schemas.microsoft.com/office/powerpoint/2010/main">
-    <mc:Choice Requires="p14">
+  <mc:AlternateContent xmlns:mc="http://schemas.openxmlformats.org/markup-compatibility/2006">
+    <mc:Choice xmlns:p14="http://schemas.microsoft.com/office/powerpoint/2010/main" Requires="p14">
       <p:transition spd="med" p14:dur="700">
         <p:fade/>
       </p:transition>
     </mc:Choice>
-    <mc:Fallback xmlns="">
+    <mc:Fallback>
       <p:transition spd="med">
         <p:fade/>
       </p:transition>
@@ -15605,7 +15541,7 @@
           </a:schemeClr>
         </a:buClr>
         <a:buSzPct val="100000"/>
-        <a:buFont typeface="Arial" pitchFamily="34" charset="0"/>
+        <a:buFont typeface="Arial" panose="020B0604020202020204" pitchFamily="34" charset="0"/>
         <a:buChar char="▪"/>
         <a:defRPr sz="2000" kern="1200">
           <a:solidFill>
@@ -15629,7 +15565,7 @@
           </a:schemeClr>
         </a:buClr>
         <a:buSzPct val="100000"/>
-        <a:buFont typeface="Arial" pitchFamily="34" charset="0"/>
+        <a:buFont typeface="Arial" panose="020B0604020202020204" pitchFamily="34" charset="0"/>
         <a:buChar char="▪"/>
         <a:defRPr sz="1800" kern="1200">
           <a:solidFill>
@@ -15640,7 +15576,7 @@
           <a:cs typeface="+mn-cs"/>
         </a:defRPr>
       </a:lvl2pPr>
-      <a:lvl3pPr marL="685800" indent="-179388" algn="l" defTabSz="914400" rtl="0" eaLnBrk="1" latinLnBrk="0" hangingPunct="1">
+      <a:lvl3pPr marL="685800" indent="-179705" algn="l" defTabSz="914400" rtl="0" eaLnBrk="1" latinLnBrk="0" hangingPunct="1">
         <a:lnSpc>
           <a:spcPct val="90000"/>
         </a:lnSpc>
@@ -15653,7 +15589,7 @@
           </a:schemeClr>
         </a:buClr>
         <a:buSzPct val="100000"/>
-        <a:buFont typeface="Arial" pitchFamily="34" charset="0"/>
+        <a:buFont typeface="Arial" panose="020B0604020202020204" pitchFamily="34" charset="0"/>
         <a:buChar char="▪"/>
         <a:defRPr sz="1600" kern="1200">
           <a:solidFill>
@@ -15677,7 +15613,7 @@
           </a:schemeClr>
         </a:buClr>
         <a:buSzPct val="100000"/>
-        <a:buFont typeface="Arial" pitchFamily="34" charset="0"/>
+        <a:buFont typeface="Arial" panose="020B0604020202020204" pitchFamily="34" charset="0"/>
         <a:buChar char="▪"/>
         <a:defRPr sz="1400" kern="1200">
           <a:solidFill>
@@ -15688,7 +15624,7 @@
           <a:cs typeface="+mn-cs"/>
         </a:defRPr>
       </a:lvl4pPr>
-      <a:lvl5pPr marL="1143000" indent="-179388" algn="l" defTabSz="914400" rtl="0" eaLnBrk="1" latinLnBrk="0" hangingPunct="1">
+      <a:lvl5pPr marL="1143000" indent="-179705" algn="l" defTabSz="914400" rtl="0" eaLnBrk="1" latinLnBrk="0" hangingPunct="1">
         <a:lnSpc>
           <a:spcPct val="90000"/>
         </a:lnSpc>
@@ -15701,7 +15637,7 @@
           </a:schemeClr>
         </a:buClr>
         <a:buSzPct val="100000"/>
-        <a:buFont typeface="Arial" pitchFamily="34" charset="0"/>
+        <a:buFont typeface="Arial" panose="020B0604020202020204" pitchFamily="34" charset="0"/>
         <a:buChar char="▪"/>
         <a:defRPr sz="1400" kern="1200">
           <a:solidFill>
@@ -15725,7 +15661,7 @@
           </a:schemeClr>
         </a:buClr>
         <a:buSzPct val="100000"/>
-        <a:buFont typeface="Arial" pitchFamily="34" charset="0"/>
+        <a:buFont typeface="Arial" panose="020B0604020202020204" pitchFamily="34" charset="0"/>
         <a:buChar char="▪"/>
         <a:defRPr sz="1400" kern="1200">
           <a:solidFill>
@@ -15736,7 +15672,7 @@
           <a:cs typeface="+mn-cs"/>
         </a:defRPr>
       </a:lvl6pPr>
-      <a:lvl7pPr marL="1600200" indent="-179388" algn="l" defTabSz="914400" rtl="0" eaLnBrk="1" latinLnBrk="0" hangingPunct="1">
+      <a:lvl7pPr marL="1600200" indent="-179705" algn="l" defTabSz="914400" rtl="0" eaLnBrk="1" latinLnBrk="0" hangingPunct="1">
         <a:lnSpc>
           <a:spcPct val="90000"/>
         </a:lnSpc>
@@ -15749,7 +15685,7 @@
           </a:schemeClr>
         </a:buClr>
         <a:buSzPct val="100000"/>
-        <a:buFont typeface="Arial" pitchFamily="34" charset="0"/>
+        <a:buFont typeface="Arial" panose="020B0604020202020204" pitchFamily="34" charset="0"/>
         <a:buChar char="▪"/>
         <a:defRPr sz="1400" kern="1200">
           <a:solidFill>
@@ -15773,7 +15709,7 @@
           </a:schemeClr>
         </a:buClr>
         <a:buSzPct val="100000"/>
-        <a:buFont typeface="Arial" pitchFamily="34" charset="0"/>
+        <a:buFont typeface="Arial" panose="020B0604020202020204" pitchFamily="34" charset="0"/>
         <a:buChar char="▪"/>
         <a:defRPr sz="1400" kern="1200">
           <a:solidFill>
@@ -15784,7 +15720,7 @@
           <a:cs typeface="+mn-cs"/>
         </a:defRPr>
       </a:lvl8pPr>
-      <a:lvl9pPr marL="1878012" indent="0" algn="l" defTabSz="914400" rtl="0" eaLnBrk="1" latinLnBrk="0" hangingPunct="1">
+      <a:lvl9pPr marL="1877695" indent="0" algn="l" defTabSz="914400" rtl="0" eaLnBrk="1" latinLnBrk="0" hangingPunct="1">
         <a:lnSpc>
           <a:spcPct val="90000"/>
         </a:lnSpc>
@@ -15797,7 +15733,7 @@
           </a:schemeClr>
         </a:buClr>
         <a:buSzPct val="100000"/>
-        <a:buFont typeface="Arial" pitchFamily="34" charset="0"/>
+        <a:buFont typeface="Arial" panose="020B0604020202020204" pitchFamily="34" charset="0"/>
         <a:buNone/>
         <a:defRPr sz="1400" kern="1200">
           <a:solidFill>
@@ -15905,22 +15841,6 @@
       </a:lvl9pPr>
     </p:otherStyle>
   </p:txStyles>
-  <p:extLst mod="1">
-    <p:ext uri="{27BBF7A9-308A-43DC-89C8-2F10F3537804}">
-      <p15:sldGuideLst xmlns:p15="http://schemas.microsoft.com/office/powerpoint/2012/main">
-        <p15:guide id="1" orient="horz" pos="2160" userDrawn="1">
-          <p15:clr>
-            <a:srgbClr val="F26B43"/>
-          </p15:clr>
-        </p15:guide>
-        <p15:guide id="2" pos="3840" userDrawn="1">
-          <p15:clr>
-            <a:srgbClr val="F26B43"/>
-          </p15:clr>
-        </p15:guide>
-      </p15:sldGuideLst>
-    </p:ext>
-  </p:extLst>
 </p:sldMaster>
 </file>
 
@@ -15965,6 +15885,7 @@
               <a:rPr lang="en-US" sz="6000" dirty="0"/>
               <a:t>Prediction &amp; Classification Modelling</a:t>
             </a:r>
+            <a:endParaRPr lang="en-US" sz="6000" dirty="0"/>
           </a:p>
         </p:txBody>
       </p:sp>
@@ -15996,26 +15917,22 @@
               <a:rPr lang="en-US" dirty="0"/>
               <a:t> &amp; Manasi Dalvi</a:t>
             </a:r>
+            <a:endParaRPr lang="en-US" dirty="0"/>
           </a:p>
         </p:txBody>
       </p:sp>
     </p:spTree>
-    <p:extLst>
-      <p:ext uri="{BB962C8B-B14F-4D97-AF65-F5344CB8AC3E}">
-        <p14:creationId xmlns:p14="http://schemas.microsoft.com/office/powerpoint/2010/main" val="106904919"/>
-      </p:ext>
-    </p:extLst>
   </p:cSld>
   <p:clrMapOvr>
     <a:masterClrMapping/>
   </p:clrMapOvr>
-  <mc:AlternateContent xmlns:mc="http://schemas.openxmlformats.org/markup-compatibility/2006" xmlns:p14="http://schemas.microsoft.com/office/powerpoint/2010/main">
-    <mc:Choice Requires="p14">
+  <mc:AlternateContent xmlns:mc="http://schemas.openxmlformats.org/markup-compatibility/2006">
+    <mc:Choice xmlns:p14="http://schemas.microsoft.com/office/powerpoint/2010/main" Requires="p14">
       <p:transition spd="med" p14:dur="700">
         <p:fade/>
       </p:transition>
     </mc:Choice>
-    <mc:Fallback xmlns="">
+    <mc:Fallback>
       <p:transition spd="med">
         <p:fade/>
       </p:transition>
@@ -16025,6 +15942,214 @@
 </file>
 
 <file path=ppt/slides/slide10.xml><?xml version="1.0" encoding="utf-8"?>
+<p:sld xmlns:a="http://schemas.openxmlformats.org/drawingml/2006/main" xmlns:r="http://schemas.openxmlformats.org/officeDocument/2006/relationships" xmlns:p="http://schemas.openxmlformats.org/presentationml/2006/main">
+  <p:cSld>
+    <p:spTree>
+      <p:nvGrpSpPr>
+        <p:cNvPr id="1" name=""/>
+        <p:cNvGrpSpPr/>
+        <p:nvPr/>
+      </p:nvGrpSpPr>
+      <p:grpSpPr>
+        <a:xfrm>
+          <a:off x="0" y="0"/>
+          <a:ext cx="0" cy="0"/>
+          <a:chOff x="0" y="0"/>
+          <a:chExt cx="0" cy="0"/>
+        </a:xfrm>
+      </p:grpSpPr>
+      <p:sp>
+        <p:nvSpPr>
+          <p:cNvPr id="6" name="Title 5"/>
+          <p:cNvSpPr>
+            <a:spLocks noGrp="1"/>
+          </p:cNvSpPr>
+          <p:nvPr>
+            <p:ph type="title"/>
+          </p:nvPr>
+        </p:nvSpPr>
+        <p:spPr/>
+        <p:txBody>
+          <a:bodyPr/>
+          <a:lstStyle/>
+          <a:p>
+            <a:r>
+              <a:rPr lang="en-US" dirty="0"/>
+              <a:t>Exploratory Data Analysis</a:t>
+            </a:r>
+            <a:endParaRPr lang="en-US" dirty="0"/>
+          </a:p>
+        </p:txBody>
+      </p:sp>
+      <p:pic>
+        <p:nvPicPr>
+          <p:cNvPr id="8" name="Picture 7"/>
+          <p:cNvPicPr/>
+          <p:nvPr/>
+        </p:nvPicPr>
+        <p:blipFill>
+          <a:blip r:embed="rId1"/>
+          <a:stretch>
+            <a:fillRect/>
+          </a:stretch>
+        </p:blipFill>
+        <p:spPr>
+          <a:xfrm>
+            <a:off x="688730" y="1730082"/>
+            <a:ext cx="5943600" cy="3679190"/>
+          </a:xfrm>
+          <a:prstGeom prst="rect">
+            <a:avLst/>
+          </a:prstGeom>
+        </p:spPr>
+      </p:pic>
+      <p:pic>
+        <p:nvPicPr>
+          <p:cNvPr id="9" name="Picture 8"/>
+          <p:cNvPicPr/>
+          <p:nvPr/>
+        </p:nvPicPr>
+        <p:blipFill>
+          <a:blip r:embed="rId2"/>
+          <a:stretch>
+            <a:fillRect/>
+          </a:stretch>
+        </p:blipFill>
+        <p:spPr>
+          <a:xfrm>
+            <a:off x="7204368" y="1804987"/>
+            <a:ext cx="3548624" cy="3604285"/>
+          </a:xfrm>
+          <a:prstGeom prst="rect">
+            <a:avLst/>
+          </a:prstGeom>
+        </p:spPr>
+      </p:pic>
+    </p:spTree>
+  </p:cSld>
+  <p:clrMapOvr>
+    <a:masterClrMapping/>
+  </p:clrMapOvr>
+  <mc:AlternateContent xmlns:mc="http://schemas.openxmlformats.org/markup-compatibility/2006">
+    <mc:Choice xmlns:p14="http://schemas.microsoft.com/office/powerpoint/2010/main" Requires="p14">
+      <p:transition spd="med" p14:dur="700">
+        <p:fade/>
+      </p:transition>
+    </mc:Choice>
+    <mc:Fallback>
+      <p:transition spd="med">
+        <p:fade/>
+      </p:transition>
+    </mc:Fallback>
+  </mc:AlternateContent>
+</p:sld>
+</file>
+
+<file path=ppt/slides/slide11.xml><?xml version="1.0" encoding="utf-8"?>
+<p:sld xmlns:a="http://schemas.openxmlformats.org/drawingml/2006/main" xmlns:r="http://schemas.openxmlformats.org/officeDocument/2006/relationships" xmlns:p="http://schemas.openxmlformats.org/presentationml/2006/main">
+  <p:cSld>
+    <p:spTree>
+      <p:nvGrpSpPr>
+        <p:cNvPr id="1" name=""/>
+        <p:cNvGrpSpPr/>
+        <p:nvPr/>
+      </p:nvGrpSpPr>
+      <p:grpSpPr>
+        <a:xfrm>
+          <a:off x="0" y="0"/>
+          <a:ext cx="0" cy="0"/>
+          <a:chOff x="0" y="0"/>
+          <a:chExt cx="0" cy="0"/>
+        </a:xfrm>
+      </p:grpSpPr>
+      <p:sp>
+        <p:nvSpPr>
+          <p:cNvPr id="6" name="Title 5"/>
+          <p:cNvSpPr>
+            <a:spLocks noGrp="1"/>
+          </p:cNvSpPr>
+          <p:nvPr>
+            <p:ph type="title"/>
+          </p:nvPr>
+        </p:nvSpPr>
+        <p:spPr/>
+        <p:txBody>
+          <a:bodyPr/>
+          <a:lstStyle/>
+          <a:p>
+            <a:r>
+              <a:rPr lang="en-US" dirty="0"/>
+              <a:t>Exploratory Data Analysis</a:t>
+            </a:r>
+            <a:endParaRPr lang="en-US" dirty="0"/>
+          </a:p>
+        </p:txBody>
+      </p:sp>
+      <p:pic>
+        <p:nvPicPr>
+          <p:cNvPr id="5" name="Picture 4"/>
+          <p:cNvPicPr/>
+          <p:nvPr/>
+        </p:nvPicPr>
+        <p:blipFill>
+          <a:blip r:embed="rId1"/>
+          <a:stretch>
+            <a:fillRect/>
+          </a:stretch>
+        </p:blipFill>
+        <p:spPr>
+          <a:xfrm>
+            <a:off x="135572" y="2164984"/>
+            <a:ext cx="5748655" cy="3138170"/>
+          </a:xfrm>
+          <a:prstGeom prst="rect">
+            <a:avLst/>
+          </a:prstGeom>
+        </p:spPr>
+      </p:pic>
+      <p:pic>
+        <p:nvPicPr>
+          <p:cNvPr id="7" name="Picture 6"/>
+          <p:cNvPicPr/>
+          <p:nvPr/>
+        </p:nvPicPr>
+        <p:blipFill>
+          <a:blip r:embed="rId2"/>
+          <a:stretch>
+            <a:fillRect/>
+          </a:stretch>
+        </p:blipFill>
+        <p:spPr>
+          <a:xfrm>
+            <a:off x="6279882" y="2170699"/>
+            <a:ext cx="5788660" cy="3132455"/>
+          </a:xfrm>
+          <a:prstGeom prst="rect">
+            <a:avLst/>
+          </a:prstGeom>
+        </p:spPr>
+      </p:pic>
+    </p:spTree>
+  </p:cSld>
+  <p:clrMapOvr>
+    <a:masterClrMapping/>
+  </p:clrMapOvr>
+  <mc:AlternateContent xmlns:mc="http://schemas.openxmlformats.org/markup-compatibility/2006">
+    <mc:Choice xmlns:p14="http://schemas.microsoft.com/office/powerpoint/2010/main" Requires="p14">
+      <p:transition spd="med" p14:dur="700">
+        <p:fade/>
+      </p:transition>
+    </mc:Choice>
+    <mc:Fallback>
+      <p:transition spd="med">
+        <p:fade/>
+      </p:transition>
+    </mc:Fallback>
+  </mc:AlternateContent>
+</p:sld>
+</file>
+
+<file path=ppt/slides/slide12.xml><?xml version="1.0" encoding="utf-8"?>
 <p:sld xmlns:a="http://schemas.openxmlformats.org/drawingml/2006/main" xmlns:r="http://schemas.openxmlformats.org/officeDocument/2006/relationships" xmlns:p="http://schemas.openxmlformats.org/presentationml/2006/main">
   <p:cSld>
     <p:spTree>
@@ -16058,8 +16183,1160 @@
           <a:p>
             <a:r>
               <a:rPr lang="en-US" dirty="0"/>
-              <a:t>Work Contribution </a:t>
+              <a:t>Feature Selection</a:t>
             </a:r>
+            <a:br>
+              <a:rPr lang="en-US" dirty="0"/>
+            </a:br>
+            <a:endParaRPr lang="en-US" dirty="0"/>
+          </a:p>
+        </p:txBody>
+      </p:sp>
+      <p:sp>
+        <p:nvSpPr>
+          <p:cNvPr id="3" name="Content Placeholder 2"/>
+          <p:cNvSpPr>
+            <a:spLocks noGrp="1"/>
+          </p:cNvSpPr>
+          <p:nvPr>
+            <p:ph sz="half" idx="1"/>
+          </p:nvPr>
+        </p:nvSpPr>
+        <p:spPr>
+          <a:xfrm>
+            <a:off x="1295400" y="1518285"/>
+            <a:ext cx="10126980" cy="4272915"/>
+          </a:xfrm>
+        </p:spPr>
+        <p:txBody>
+          <a:bodyPr/>
+          <a:lstStyle/>
+          <a:p>
+            <a:pPr marL="0" indent="0">
+              <a:buNone/>
+            </a:pPr>
+            <a:r>
+              <a:rPr lang="en-US" dirty="0"/>
+              <a:t>Select subset of attributes which has the greatest impact towards our target.</a:t>
+            </a:r>
+            <a:endParaRPr lang="en-US" dirty="0"/>
+          </a:p>
+          <a:p>
+            <a:endParaRPr lang="en-US" dirty="0"/>
+          </a:p>
+          <a:p>
+            <a:r>
+              <a:rPr lang="en-US" dirty="0"/>
+              <a:t>Lasso Regression</a:t>
+            </a:r>
+            <a:endParaRPr lang="en-US" dirty="0"/>
+          </a:p>
+          <a:p>
+            <a:pPr lvl="1"/>
+            <a:r>
+              <a:rPr lang="en-US" sz="1800" dirty="0"/>
+              <a:t>penalizing heavy weighted parameters </a:t>
+            </a:r>
+            <a:endParaRPr lang="en-US" sz="1800" dirty="0"/>
+          </a:p>
+          <a:p>
+            <a:r>
+              <a:rPr lang="en-US" dirty="0"/>
+              <a:t>Recursive Feature Elimination</a:t>
+            </a:r>
+            <a:endParaRPr lang="en-US" dirty="0"/>
+          </a:p>
+          <a:p>
+            <a:pPr lvl="1"/>
+            <a:r>
+              <a:rPr lang="en-US" sz="1800" dirty="0"/>
+              <a:t> recursively removing features and building a model on remaining features</a:t>
+            </a:r>
+            <a:endParaRPr lang="en-US" sz="1800" dirty="0"/>
+          </a:p>
+          <a:p>
+            <a:pPr lvl="1"/>
+            <a:r>
+              <a:rPr lang="en-US" dirty="0">
+                <a:sym typeface="+mn-ea"/>
+              </a:rPr>
+              <a:t>greedy optimization.</a:t>
+            </a:r>
+            <a:endParaRPr lang="en-US" sz="1800" dirty="0"/>
+          </a:p>
+          <a:p>
+            <a:r>
+              <a:rPr lang="en-US" dirty="0"/>
+              <a:t>Linear Regression</a:t>
+            </a:r>
+            <a:endParaRPr lang="en-US" dirty="0"/>
+          </a:p>
+        </p:txBody>
+      </p:sp>
+    </p:spTree>
+  </p:cSld>
+  <p:clrMapOvr>
+    <a:masterClrMapping/>
+  </p:clrMapOvr>
+  <mc:AlternateContent xmlns:mc="http://schemas.openxmlformats.org/markup-compatibility/2006">
+    <mc:Choice xmlns:p14="http://schemas.microsoft.com/office/powerpoint/2010/main" Requires="p14">
+      <p:transition spd="med" p14:dur="700">
+        <p:fade/>
+      </p:transition>
+    </mc:Choice>
+    <mc:Fallback>
+      <p:transition spd="med">
+        <p:fade/>
+      </p:transition>
+    </mc:Fallback>
+  </mc:AlternateContent>
+</p:sld>
+</file>
+
+<file path=ppt/slides/slide13.xml><?xml version="1.0" encoding="utf-8"?>
+<p:sld xmlns:a="http://schemas.openxmlformats.org/drawingml/2006/main" xmlns:r="http://schemas.openxmlformats.org/officeDocument/2006/relationships" xmlns:p="http://schemas.openxmlformats.org/presentationml/2006/main">
+  <p:cSld>
+    <p:spTree>
+      <p:nvGrpSpPr>
+        <p:cNvPr id="1" name=""/>
+        <p:cNvGrpSpPr/>
+        <p:nvPr/>
+      </p:nvGrpSpPr>
+      <p:grpSpPr>
+        <a:xfrm>
+          <a:off x="0" y="0"/>
+          <a:ext cx="0" cy="0"/>
+          <a:chOff x="0" y="0"/>
+          <a:chExt cx="0" cy="0"/>
+        </a:xfrm>
+      </p:grpSpPr>
+      <p:sp>
+        <p:nvSpPr>
+          <p:cNvPr id="2" name="Title 1"/>
+          <p:cNvSpPr>
+            <a:spLocks noGrp="1"/>
+          </p:cNvSpPr>
+          <p:nvPr>
+            <p:ph type="title"/>
+          </p:nvPr>
+        </p:nvSpPr>
+        <p:spPr>
+          <a:xfrm>
+            <a:off x="635000" y="392728"/>
+            <a:ext cx="9601200" cy="1142385"/>
+          </a:xfrm>
+        </p:spPr>
+        <p:txBody>
+          <a:bodyPr/>
+          <a:lstStyle/>
+          <a:p>
+            <a:r>
+              <a:rPr lang="en-US" dirty="0"/>
+              <a:t>Algorithms</a:t>
+            </a:r>
+            <a:br>
+              <a:rPr lang="en-US" dirty="0"/>
+            </a:br>
+            <a:endParaRPr lang="en-US" dirty="0"/>
+          </a:p>
+        </p:txBody>
+      </p:sp>
+      <p:sp>
+        <p:nvSpPr>
+          <p:cNvPr id="3" name="Content Placeholder 2"/>
+          <p:cNvSpPr>
+            <a:spLocks noGrp="1"/>
+          </p:cNvSpPr>
+          <p:nvPr>
+            <p:ph sz="half" idx="1"/>
+          </p:nvPr>
+        </p:nvSpPr>
+        <p:spPr>
+          <a:xfrm>
+            <a:off x="635000" y="1450340"/>
+            <a:ext cx="5232400" cy="3810000"/>
+          </a:xfrm>
+        </p:spPr>
+        <p:txBody>
+          <a:bodyPr>
+            <a:normAutofit/>
+          </a:bodyPr>
+          <a:lstStyle/>
+          <a:p>
+            <a:r>
+              <a:rPr lang="en-US" dirty="0"/>
+              <a:t>Training set on all quaters for year 2005</a:t>
+            </a:r>
+            <a:endParaRPr lang="en-US" dirty="0"/>
+          </a:p>
+          <a:p>
+            <a:endParaRPr lang="en-US" dirty="0"/>
+          </a:p>
+          <a:p>
+            <a:r>
+              <a:rPr lang="en-US" dirty="0"/>
+              <a:t>Linear Regression</a:t>
+            </a:r>
+            <a:endParaRPr lang="en-US" dirty="0"/>
+          </a:p>
+          <a:p>
+            <a:r>
+              <a:rPr lang="en-US" dirty="0"/>
+              <a:t>Random Forest </a:t>
+            </a:r>
+            <a:endParaRPr lang="en-US" dirty="0"/>
+          </a:p>
+          <a:p>
+            <a:r>
+              <a:rPr lang="en-US" dirty="0"/>
+              <a:t>Neural Network</a:t>
+            </a:r>
+            <a:endParaRPr lang="en-US" dirty="0"/>
+          </a:p>
+          <a:p>
+            <a:endParaRPr lang="en-US" dirty="0"/>
+          </a:p>
+        </p:txBody>
+      </p:sp>
+      <p:pic>
+        <p:nvPicPr>
+          <p:cNvPr id="6" name="Content Placeholder 5"/>
+          <p:cNvPicPr>
+            <a:picLocks noChangeAspect="1"/>
+          </p:cNvPicPr>
+          <p:nvPr>
+            <p:ph sz="half" idx="2"/>
+          </p:nvPr>
+        </p:nvPicPr>
+        <p:blipFill>
+          <a:blip r:embed="rId1"/>
+          <a:stretch>
+            <a:fillRect/>
+          </a:stretch>
+        </p:blipFill>
+        <p:spPr>
+          <a:xfrm>
+            <a:off x="6137910" y="1824990"/>
+            <a:ext cx="4935855" cy="1576070"/>
+          </a:xfrm>
+          <a:prstGeom prst="rect">
+            <a:avLst/>
+          </a:prstGeom>
+        </p:spPr>
+      </p:pic>
+    </p:spTree>
+  </p:cSld>
+  <p:clrMapOvr>
+    <a:masterClrMapping/>
+  </p:clrMapOvr>
+  <mc:AlternateContent xmlns:mc="http://schemas.openxmlformats.org/markup-compatibility/2006">
+    <mc:Choice xmlns:p14="http://schemas.microsoft.com/office/powerpoint/2010/main" Requires="p14">
+      <p:transition spd="med" p14:dur="700">
+        <p:fade/>
+      </p:transition>
+    </mc:Choice>
+    <mc:Fallback>
+      <p:transition spd="med">
+        <p:fade/>
+      </p:transition>
+    </mc:Fallback>
+  </mc:AlternateContent>
+</p:sld>
+</file>
+
+<file path=ppt/slides/slide14.xml><?xml version="1.0" encoding="utf-8"?>
+<p:sld xmlns:a="http://schemas.openxmlformats.org/drawingml/2006/main" xmlns:r="http://schemas.openxmlformats.org/officeDocument/2006/relationships" xmlns:p="http://schemas.openxmlformats.org/presentationml/2006/main">
+  <p:cSld>
+    <p:spTree>
+      <p:nvGrpSpPr>
+        <p:cNvPr id="1" name=""/>
+        <p:cNvGrpSpPr/>
+        <p:nvPr/>
+      </p:nvGrpSpPr>
+      <p:grpSpPr>
+        <a:xfrm>
+          <a:off x="0" y="0"/>
+          <a:ext cx="0" cy="0"/>
+          <a:chOff x="0" y="0"/>
+          <a:chExt cx="0" cy="0"/>
+        </a:xfrm>
+      </p:grpSpPr>
+      <p:sp>
+        <p:nvSpPr>
+          <p:cNvPr id="2" name="Title 1"/>
+          <p:cNvSpPr>
+            <a:spLocks noGrp="1"/>
+          </p:cNvSpPr>
+          <p:nvPr>
+            <p:ph type="title"/>
+          </p:nvPr>
+        </p:nvSpPr>
+        <p:spPr>
+          <a:xfrm>
+            <a:off x="1295400" y="503854"/>
+            <a:ext cx="9601200" cy="771274"/>
+          </a:xfrm>
+        </p:spPr>
+        <p:txBody>
+          <a:bodyPr/>
+          <a:lstStyle/>
+          <a:p>
+            <a:r>
+              <a:rPr lang="en-US" dirty="0"/>
+              <a:t>Predictive Analysis</a:t>
+            </a:r>
+            <a:endParaRPr lang="en-US" dirty="0"/>
+          </a:p>
+        </p:txBody>
+      </p:sp>
+      <p:sp>
+        <p:nvSpPr>
+          <p:cNvPr id="3" name="Content Placeholder 2"/>
+          <p:cNvSpPr>
+            <a:spLocks noGrp="1"/>
+          </p:cNvSpPr>
+          <p:nvPr>
+            <p:ph idx="1"/>
+          </p:nvPr>
+        </p:nvSpPr>
+        <p:spPr>
+          <a:xfrm>
+            <a:off x="1085675" y="1410749"/>
+            <a:ext cx="9601200" cy="3809999"/>
+          </a:xfrm>
+        </p:spPr>
+        <p:txBody>
+          <a:bodyPr/>
+          <a:lstStyle/>
+          <a:p>
+            <a:r>
+              <a:rPr lang="en-US" dirty="0"/>
+              <a:t>Algorithm used: Random Forest</a:t>
+            </a:r>
+            <a:endParaRPr lang="en-US" dirty="0"/>
+          </a:p>
+          <a:p>
+            <a:endParaRPr lang="en-US" dirty="0"/>
+          </a:p>
+          <a:p>
+            <a:r>
+              <a:rPr lang="en-US" dirty="0"/>
+              <a:t>Economic Boom (1999 2013)</a:t>
+            </a:r>
+            <a:endParaRPr lang="en-US" dirty="0"/>
+          </a:p>
+          <a:p>
+            <a:r>
+              <a:rPr lang="en-US" dirty="0"/>
+              <a:t>Financial Crisis(2007 2008)</a:t>
+            </a:r>
+            <a:endParaRPr lang="en-US" dirty="0"/>
+          </a:p>
+          <a:p>
+            <a:r>
+              <a:rPr lang="en-US" dirty="0"/>
+              <a:t>Market recovery(2009)</a:t>
+            </a:r>
+            <a:endParaRPr lang="en-US" dirty="0"/>
+          </a:p>
+          <a:p>
+            <a:r>
+              <a:rPr lang="en-US" dirty="0"/>
+              <a:t>For future predictions</a:t>
+            </a:r>
+            <a:endParaRPr lang="en-US" dirty="0"/>
+          </a:p>
+        </p:txBody>
+      </p:sp>
+    </p:spTree>
+  </p:cSld>
+  <p:clrMapOvr>
+    <a:masterClrMapping/>
+  </p:clrMapOvr>
+  <mc:AlternateContent xmlns:mc="http://schemas.openxmlformats.org/markup-compatibility/2006">
+    <mc:Choice xmlns:p14="http://schemas.microsoft.com/office/powerpoint/2010/main" Requires="p14">
+      <p:transition spd="med" p14:dur="700">
+        <p:fade/>
+      </p:transition>
+    </mc:Choice>
+    <mc:Fallback>
+      <p:transition spd="med">
+        <p:fade/>
+      </p:transition>
+    </mc:Fallback>
+  </mc:AlternateContent>
+</p:sld>
+</file>
+
+<file path=ppt/slides/slide15.xml><?xml version="1.0" encoding="utf-8"?>
+<p:sld xmlns:a="http://schemas.openxmlformats.org/drawingml/2006/main" xmlns:r="http://schemas.openxmlformats.org/officeDocument/2006/relationships" xmlns:p="http://schemas.openxmlformats.org/presentationml/2006/main">
+  <p:cSld>
+    <p:spTree>
+      <p:nvGrpSpPr>
+        <p:cNvPr id="1" name=""/>
+        <p:cNvGrpSpPr/>
+        <p:nvPr/>
+      </p:nvGrpSpPr>
+      <p:grpSpPr>
+        <a:xfrm>
+          <a:off x="0" y="0"/>
+          <a:ext cx="0" cy="0"/>
+          <a:chOff x="0" y="0"/>
+          <a:chExt cx="0" cy="0"/>
+        </a:xfrm>
+      </p:grpSpPr>
+      <p:sp>
+        <p:nvSpPr>
+          <p:cNvPr id="2" name="Title 1"/>
+          <p:cNvSpPr>
+            <a:spLocks noGrp="1"/>
+          </p:cNvSpPr>
+          <p:nvPr>
+            <p:ph type="title"/>
+          </p:nvPr>
+        </p:nvSpPr>
+        <p:spPr>
+          <a:xfrm>
+            <a:off x="637540" y="503555"/>
+            <a:ext cx="10259060" cy="603250"/>
+          </a:xfrm>
+        </p:spPr>
+        <p:txBody>
+          <a:bodyPr/>
+          <a:lstStyle/>
+          <a:p>
+            <a:r>
+              <a:rPr lang="en-US" dirty="0"/>
+              <a:t>Economic Boom (1999 2013)</a:t>
+            </a:r>
+            <a:endParaRPr lang="en-US" dirty="0"/>
+          </a:p>
+        </p:txBody>
+      </p:sp>
+      <p:sp>
+        <p:nvSpPr>
+          <p:cNvPr id="3" name="Content Placeholder 2"/>
+          <p:cNvSpPr>
+            <a:spLocks noGrp="1"/>
+          </p:cNvSpPr>
+          <p:nvPr>
+            <p:ph sz="half" idx="1"/>
+          </p:nvPr>
+        </p:nvSpPr>
+        <p:spPr/>
+        <p:txBody>
+          <a:bodyPr/>
+          <a:lstStyle/>
+          <a:p>
+            <a:endParaRPr lang="en-US" dirty="0"/>
+          </a:p>
+          <a:p>
+            <a:endParaRPr lang="en-US" dirty="0"/>
+          </a:p>
+        </p:txBody>
+      </p:sp>
+      <p:sp>
+        <p:nvSpPr>
+          <p:cNvPr id="4" name="Text Box 3"/>
+          <p:cNvSpPr txBox="1"/>
+          <p:nvPr/>
+        </p:nvSpPr>
+        <p:spPr>
+          <a:xfrm>
+            <a:off x="638175" y="1354455"/>
+            <a:ext cx="10266680" cy="2834640"/>
+          </a:xfrm>
+          <a:prstGeom prst="rect">
+            <a:avLst/>
+          </a:prstGeom>
+          <a:noFill/>
+        </p:spPr>
+        <p:txBody>
+          <a:bodyPr wrap="square" rtlCol="0">
+            <a:spAutoFit/>
+          </a:bodyPr>
+          <a:p>
+            <a:r>
+              <a:rPr lang="en-US"/>
+              <a:t>1999 - 2003</a:t>
+            </a:r>
+            <a:endParaRPr lang="en-US"/>
+          </a:p>
+          <a:p>
+            <a:endParaRPr lang="en-US"/>
+          </a:p>
+          <a:p>
+            <a:pPr indent="0">
+              <a:buFont typeface="Arial" panose="020B0604020202020204" pitchFamily="34" charset="0"/>
+              <a:buNone/>
+            </a:pPr>
+            <a:r>
+              <a:rPr lang="en-US"/>
+              <a:t>Error in prediction rises due to</a:t>
+            </a:r>
+            <a:endParaRPr lang="en-US"/>
+          </a:p>
+          <a:p>
+            <a:pPr indent="0">
+              <a:buFont typeface="Arial" panose="020B0604020202020204" pitchFamily="34" charset="0"/>
+              <a:buNone/>
+            </a:pPr>
+            <a:r>
+              <a:rPr lang="en-US"/>
+              <a:t>higher interest rate during the </a:t>
+            </a:r>
+            <a:endParaRPr lang="en-US"/>
+          </a:p>
+          <a:p>
+            <a:pPr indent="0">
+              <a:buFont typeface="Arial" panose="020B0604020202020204" pitchFamily="34" charset="0"/>
+              <a:buNone/>
+            </a:pPr>
+            <a:r>
+              <a:rPr lang="en-US"/>
+              <a:t>period 1999 to 2000</a:t>
+            </a:r>
+            <a:endParaRPr lang="en-US"/>
+          </a:p>
+          <a:p>
+            <a:pPr indent="0">
+              <a:buFont typeface="Arial" panose="020B0604020202020204" pitchFamily="34" charset="0"/>
+              <a:buNone/>
+            </a:pPr>
+            <a:endParaRPr lang="en-US"/>
+          </a:p>
+          <a:p>
+            <a:pPr indent="0">
+              <a:buFont typeface="Arial" panose="020B0604020202020204" pitchFamily="34" charset="0"/>
+              <a:buNone/>
+            </a:pPr>
+            <a:r>
+              <a:rPr lang="en-US"/>
+              <a:t>model trained on avg rates</a:t>
+            </a:r>
+            <a:endParaRPr lang="en-US"/>
+          </a:p>
+          <a:p>
+            <a:pPr indent="0">
+              <a:buFont typeface="Arial" panose="020B0604020202020204" pitchFamily="34" charset="0"/>
+              <a:buNone/>
+            </a:pPr>
+            <a:r>
+              <a:rPr lang="en-US"/>
+              <a:t>varying between 4% to 5%</a:t>
+            </a:r>
+            <a:endParaRPr lang="en-US"/>
+          </a:p>
+          <a:p>
+            <a:pPr indent="0">
+              <a:buFont typeface="Arial" panose="020B0604020202020204" pitchFamily="34" charset="0"/>
+              <a:buNone/>
+            </a:pPr>
+            <a:endParaRPr lang="en-US"/>
+          </a:p>
+          <a:p>
+            <a:pPr marL="285750" indent="-285750">
+              <a:buFont typeface="Arial" panose="020B0604020202020204" pitchFamily="34" charset="0"/>
+              <a:buChar char="•"/>
+            </a:pPr>
+            <a:endParaRPr lang="en-US"/>
+          </a:p>
+        </p:txBody>
+      </p:sp>
+      <p:pic>
+        <p:nvPicPr>
+          <p:cNvPr id="61" name="Picture 61"/>
+          <p:cNvPicPr>
+            <a:picLocks noChangeAspect="1"/>
+          </p:cNvPicPr>
+          <p:nvPr>
+            <p:ph sz="half" idx="2"/>
+          </p:nvPr>
+        </p:nvPicPr>
+        <p:blipFill>
+          <a:blip r:embed="rId1"/>
+          <a:stretch>
+            <a:fillRect/>
+          </a:stretch>
+        </p:blipFill>
+        <p:spPr>
+          <a:xfrm>
+            <a:off x="4009390" y="1307465"/>
+            <a:ext cx="7555865" cy="3569970"/>
+          </a:xfrm>
+          <a:prstGeom prst="rect">
+            <a:avLst/>
+          </a:prstGeom>
+        </p:spPr>
+      </p:pic>
+    </p:spTree>
+  </p:cSld>
+  <p:clrMapOvr>
+    <a:masterClrMapping/>
+  </p:clrMapOvr>
+  <mc:AlternateContent xmlns:mc="http://schemas.openxmlformats.org/markup-compatibility/2006">
+    <mc:Choice xmlns:p14="http://schemas.microsoft.com/office/powerpoint/2010/main" Requires="p14">
+      <p:transition spd="med" p14:dur="700">
+        <p:fade/>
+      </p:transition>
+    </mc:Choice>
+    <mc:Fallback>
+      <p:transition spd="med">
+        <p:fade/>
+      </p:transition>
+    </mc:Fallback>
+  </mc:AlternateContent>
+</p:sld>
+</file>
+
+<file path=ppt/slides/slide16.xml><?xml version="1.0" encoding="utf-8"?>
+<p:sld xmlns:a="http://schemas.openxmlformats.org/drawingml/2006/main" xmlns:r="http://schemas.openxmlformats.org/officeDocument/2006/relationships" xmlns:p="http://schemas.openxmlformats.org/presentationml/2006/main">
+  <p:cSld>
+    <p:spTree>
+      <p:nvGrpSpPr>
+        <p:cNvPr id="1" name=""/>
+        <p:cNvGrpSpPr/>
+        <p:nvPr/>
+      </p:nvGrpSpPr>
+      <p:grpSpPr>
+        <a:xfrm>
+          <a:off x="0" y="0"/>
+          <a:ext cx="0" cy="0"/>
+          <a:chOff x="0" y="0"/>
+          <a:chExt cx="0" cy="0"/>
+        </a:xfrm>
+      </p:grpSpPr>
+      <p:sp>
+        <p:nvSpPr>
+          <p:cNvPr id="2" name="Title 1"/>
+          <p:cNvSpPr>
+            <a:spLocks noGrp="1"/>
+          </p:cNvSpPr>
+          <p:nvPr>
+            <p:ph type="title"/>
+          </p:nvPr>
+        </p:nvSpPr>
+        <p:spPr>
+          <a:xfrm>
+            <a:off x="737870" y="272415"/>
+            <a:ext cx="9601200" cy="619125"/>
+          </a:xfrm>
+        </p:spPr>
+        <p:txBody>
+          <a:bodyPr/>
+          <a:lstStyle/>
+          <a:p>
+            <a:r>
+              <a:rPr lang="en-US" dirty="0"/>
+              <a:t>Financial crisis (2007 2008)</a:t>
+            </a:r>
+            <a:endParaRPr lang="en-US" dirty="0"/>
+          </a:p>
+        </p:txBody>
+      </p:sp>
+      <p:sp>
+        <p:nvSpPr>
+          <p:cNvPr id="3" name="Content Placeholder 2"/>
+          <p:cNvSpPr>
+            <a:spLocks noGrp="1"/>
+          </p:cNvSpPr>
+          <p:nvPr>
+            <p:ph sz="half" idx="1"/>
+          </p:nvPr>
+        </p:nvSpPr>
+        <p:spPr/>
+        <p:txBody>
+          <a:bodyPr/>
+          <a:lstStyle/>
+          <a:p>
+            <a:endParaRPr lang="en-US" dirty="0"/>
+          </a:p>
+          <a:p>
+            <a:pPr marL="0" indent="0">
+              <a:buNone/>
+            </a:pPr>
+            <a:endParaRPr lang="en-US" dirty="0"/>
+          </a:p>
+        </p:txBody>
+      </p:sp>
+      <p:pic>
+        <p:nvPicPr>
+          <p:cNvPr id="4" name="Content Placeholder 3"/>
+          <p:cNvPicPr>
+            <a:picLocks noChangeAspect="1"/>
+          </p:cNvPicPr>
+          <p:nvPr>
+            <p:ph sz="half" idx="2"/>
+          </p:nvPr>
+        </p:nvPicPr>
+        <p:blipFill>
+          <a:blip r:embed="rId1"/>
+          <a:stretch>
+            <a:fillRect/>
+          </a:stretch>
+        </p:blipFill>
+        <p:spPr>
+          <a:xfrm>
+            <a:off x="5434330" y="1645920"/>
+            <a:ext cx="6345555" cy="3107055"/>
+          </a:xfrm>
+          <a:prstGeom prst="rect">
+            <a:avLst/>
+          </a:prstGeom>
+        </p:spPr>
+      </p:pic>
+      <p:sp>
+        <p:nvSpPr>
+          <p:cNvPr id="6" name="Text Box 5"/>
+          <p:cNvSpPr txBox="1"/>
+          <p:nvPr/>
+        </p:nvSpPr>
+        <p:spPr>
+          <a:xfrm>
+            <a:off x="647065" y="1468120"/>
+            <a:ext cx="4678680" cy="1737360"/>
+          </a:xfrm>
+          <a:prstGeom prst="rect">
+            <a:avLst/>
+          </a:prstGeom>
+          <a:noFill/>
+        </p:spPr>
+        <p:txBody>
+          <a:bodyPr wrap="none" rtlCol="0">
+            <a:spAutoFit/>
+          </a:bodyPr>
+          <a:p>
+            <a:r>
+              <a:rPr lang="en-US"/>
+              <a:t>spikes in interest rate increaing the </a:t>
+            </a:r>
+            <a:endParaRPr lang="en-US"/>
+          </a:p>
+          <a:p>
+            <a:r>
+              <a:rPr lang="en-US"/>
+              <a:t>error in prediction during years 2008 to 2009</a:t>
+            </a:r>
+            <a:endParaRPr lang="en-US"/>
+          </a:p>
+          <a:p>
+            <a:endParaRPr lang="en-US"/>
+          </a:p>
+          <a:p>
+            <a:endParaRPr lang="en-US"/>
+          </a:p>
+          <a:p>
+            <a:endParaRPr lang="en-US"/>
+          </a:p>
+          <a:p>
+            <a:endParaRPr lang="en-US"/>
+          </a:p>
+        </p:txBody>
+      </p:sp>
+      <p:pic>
+        <p:nvPicPr>
+          <p:cNvPr id="7" name="Picture 6"/>
+          <p:cNvPicPr>
+            <a:picLocks noChangeAspect="1"/>
+          </p:cNvPicPr>
+          <p:nvPr/>
+        </p:nvPicPr>
+        <p:blipFill>
+          <a:blip r:embed="rId2"/>
+          <a:stretch>
+            <a:fillRect/>
+          </a:stretch>
+        </p:blipFill>
+        <p:spPr>
+          <a:xfrm>
+            <a:off x="596265" y="3019425"/>
+            <a:ext cx="4838065" cy="1733550"/>
+          </a:xfrm>
+          <a:prstGeom prst="rect">
+            <a:avLst/>
+          </a:prstGeom>
+        </p:spPr>
+      </p:pic>
+    </p:spTree>
+  </p:cSld>
+  <p:clrMapOvr>
+    <a:masterClrMapping/>
+  </p:clrMapOvr>
+  <mc:AlternateContent xmlns:mc="http://schemas.openxmlformats.org/markup-compatibility/2006">
+    <mc:Choice xmlns:p14="http://schemas.microsoft.com/office/powerpoint/2010/main" Requires="p14">
+      <p:transition spd="med" p14:dur="700">
+        <p:fade/>
+      </p:transition>
+    </mc:Choice>
+    <mc:Fallback>
+      <p:transition spd="med">
+        <p:fade/>
+      </p:transition>
+    </mc:Fallback>
+  </mc:AlternateContent>
+</p:sld>
+</file>
+
+<file path=ppt/slides/slide17.xml><?xml version="1.0" encoding="utf-8"?>
+<p:sld xmlns:a="http://schemas.openxmlformats.org/drawingml/2006/main" xmlns:r="http://schemas.openxmlformats.org/officeDocument/2006/relationships" xmlns:p="http://schemas.openxmlformats.org/presentationml/2006/main">
+  <p:cSld>
+    <p:spTree>
+      <p:nvGrpSpPr>
+        <p:cNvPr id="1" name=""/>
+        <p:cNvGrpSpPr/>
+        <p:nvPr/>
+      </p:nvGrpSpPr>
+      <p:grpSpPr>
+        <a:xfrm>
+          <a:off x="0" y="0"/>
+          <a:ext cx="0" cy="0"/>
+          <a:chOff x="0" y="0"/>
+          <a:chExt cx="0" cy="0"/>
+        </a:xfrm>
+      </p:grpSpPr>
+      <p:sp>
+        <p:nvSpPr>
+          <p:cNvPr id="2" name="Title 1"/>
+          <p:cNvSpPr>
+            <a:spLocks noGrp="1"/>
+          </p:cNvSpPr>
+          <p:nvPr>
+            <p:ph type="title"/>
+          </p:nvPr>
+        </p:nvSpPr>
+        <p:spPr>
+          <a:xfrm>
+            <a:off x="583565" y="186690"/>
+            <a:ext cx="9601200" cy="619125"/>
+          </a:xfrm>
+        </p:spPr>
+        <p:txBody>
+          <a:bodyPr/>
+          <a:lstStyle/>
+          <a:p>
+            <a:r>
+              <a:rPr lang="en-US" dirty="0"/>
+              <a:t>year 2009</a:t>
+            </a:r>
+            <a:endParaRPr lang="en-US" dirty="0"/>
+          </a:p>
+        </p:txBody>
+      </p:sp>
+      <p:sp>
+        <p:nvSpPr>
+          <p:cNvPr id="3" name="Content Placeholder 2"/>
+          <p:cNvSpPr>
+            <a:spLocks noGrp="1"/>
+          </p:cNvSpPr>
+          <p:nvPr>
+            <p:ph sz="half" idx="1"/>
+          </p:nvPr>
+        </p:nvSpPr>
+        <p:spPr>
+          <a:xfrm>
+            <a:off x="583565" y="986789"/>
+            <a:ext cx="4572000" cy="3810001"/>
+          </a:xfrm>
+        </p:spPr>
+        <p:txBody>
+          <a:bodyPr/>
+          <a:lstStyle/>
+          <a:p>
+            <a:r>
+              <a:rPr lang="en-US" dirty="0"/>
+              <a:t>With market recovering, the rates went down thus reducing the error percentage.</a:t>
+            </a:r>
+            <a:endParaRPr lang="en-US" dirty="0"/>
+          </a:p>
+          <a:p>
+            <a:endParaRPr lang="en-US" dirty="0"/>
+          </a:p>
+          <a:p>
+            <a:endParaRPr lang="en-US" dirty="0"/>
+          </a:p>
+          <a:p>
+            <a:endParaRPr lang="en-US" dirty="0"/>
+          </a:p>
+        </p:txBody>
+      </p:sp>
+      <p:pic>
+        <p:nvPicPr>
+          <p:cNvPr id="4" name="Content Placeholder 3"/>
+          <p:cNvPicPr>
+            <a:picLocks noChangeAspect="1"/>
+          </p:cNvPicPr>
+          <p:nvPr>
+            <p:ph sz="half" idx="2"/>
+          </p:nvPr>
+        </p:nvPicPr>
+        <p:blipFill>
+          <a:blip r:embed="rId1"/>
+          <a:stretch>
+            <a:fillRect/>
+          </a:stretch>
+        </p:blipFill>
+        <p:spPr>
+          <a:xfrm>
+            <a:off x="5612765" y="892810"/>
+            <a:ext cx="4572000" cy="944880"/>
+          </a:xfrm>
+          <a:prstGeom prst="rect">
+            <a:avLst/>
+          </a:prstGeom>
+        </p:spPr>
+      </p:pic>
+      <p:pic>
+        <p:nvPicPr>
+          <p:cNvPr id="5" name="Picture 4"/>
+          <p:cNvPicPr>
+            <a:picLocks noChangeAspect="1"/>
+          </p:cNvPicPr>
+          <p:nvPr/>
+        </p:nvPicPr>
+        <p:blipFill>
+          <a:blip r:embed="rId2"/>
+          <a:stretch>
+            <a:fillRect/>
+          </a:stretch>
+        </p:blipFill>
+        <p:spPr>
+          <a:xfrm>
+            <a:off x="3995420" y="1983740"/>
+            <a:ext cx="7647305" cy="3837940"/>
+          </a:xfrm>
+          <a:prstGeom prst="rect">
+            <a:avLst/>
+          </a:prstGeom>
+        </p:spPr>
+      </p:pic>
+    </p:spTree>
+  </p:cSld>
+  <p:clrMapOvr>
+    <a:masterClrMapping/>
+  </p:clrMapOvr>
+  <mc:AlternateContent xmlns:mc="http://schemas.openxmlformats.org/markup-compatibility/2006">
+    <mc:Choice xmlns:p14="http://schemas.microsoft.com/office/powerpoint/2010/main" Requires="p14">
+      <p:transition spd="med" p14:dur="700">
+        <p:fade/>
+      </p:transition>
+    </mc:Choice>
+    <mc:Fallback>
+      <p:transition spd="med">
+        <p:fade/>
+      </p:transition>
+    </mc:Fallback>
+  </mc:AlternateContent>
+</p:sld>
+</file>
+
+<file path=ppt/slides/slide18.xml><?xml version="1.0" encoding="utf-8"?>
+<p:sld xmlns:a="http://schemas.openxmlformats.org/drawingml/2006/main" xmlns:r="http://schemas.openxmlformats.org/officeDocument/2006/relationships" xmlns:p="http://schemas.openxmlformats.org/presentationml/2006/main">
+  <p:cSld>
+    <p:spTree>
+      <p:nvGrpSpPr>
+        <p:cNvPr id="1" name=""/>
+        <p:cNvGrpSpPr/>
+        <p:nvPr/>
+      </p:nvGrpSpPr>
+      <p:grpSpPr>
+        <a:xfrm>
+          <a:off x="0" y="0"/>
+          <a:ext cx="0" cy="0"/>
+          <a:chOff x="0" y="0"/>
+          <a:chExt cx="0" cy="0"/>
+        </a:xfrm>
+      </p:grpSpPr>
+      <p:sp>
+        <p:nvSpPr>
+          <p:cNvPr id="6" name="Title 5"/>
+          <p:cNvSpPr>
+            <a:spLocks noGrp="1"/>
+          </p:cNvSpPr>
+          <p:nvPr>
+            <p:ph type="title"/>
+          </p:nvPr>
+        </p:nvSpPr>
+        <p:spPr/>
+        <p:txBody>
+          <a:bodyPr>
+            <a:normAutofit/>
+          </a:bodyPr>
+          <a:lstStyle/>
+          <a:p>
+            <a:r>
+              <a:rPr lang="en-US">
+                <a:sym typeface="+mn-ea"/>
+              </a:rPr>
+              <a:t>Prediction for next quarter. (2014)</a:t>
+            </a:r>
+            <a:endParaRPr lang="en-US" dirty="0"/>
+          </a:p>
+        </p:txBody>
+      </p:sp>
+      <p:sp>
+        <p:nvSpPr>
+          <p:cNvPr id="2" name="Text Box 1"/>
+          <p:cNvSpPr txBox="1"/>
+          <p:nvPr/>
+        </p:nvSpPr>
+        <p:spPr>
+          <a:xfrm>
+            <a:off x="591185" y="1077595"/>
+            <a:ext cx="11008360" cy="4206240"/>
+          </a:xfrm>
+          <a:prstGeom prst="rect">
+            <a:avLst/>
+          </a:prstGeom>
+          <a:noFill/>
+        </p:spPr>
+        <p:txBody>
+          <a:bodyPr wrap="square" rtlCol="0" anchor="t">
+            <a:spAutoFit/>
+          </a:bodyPr>
+          <a:p>
+            <a:endParaRPr lang="en-US"/>
+          </a:p>
+          <a:p>
+            <a:endParaRPr lang="en-US"/>
+          </a:p>
+          <a:p>
+            <a:r>
+              <a:rPr lang="en-US"/>
+              <a:t>Hypothesis: the model can be used for next quarter prediction if the interest rate values do not increase of decrease suddenly, ie if they remain in the similar range of values</a:t>
+            </a:r>
+            <a:endParaRPr lang="en-US"/>
+          </a:p>
+          <a:p>
+            <a:r>
+              <a:rPr lang="en-US"/>
+              <a:t>Actual Values: </a:t>
+            </a:r>
+            <a:endParaRPr lang="en-US"/>
+          </a:p>
+          <a:p>
+            <a:r>
+              <a:rPr lang="en-US"/>
+              <a:t>We run our model for the next two quarters Q1 2014 and Q2 2014. We can see that the values for rmse are low with an increased R-squared value. </a:t>
+            </a:r>
+            <a:endParaRPr lang="en-US"/>
+          </a:p>
+          <a:p>
+            <a:endParaRPr lang="en-US"/>
+          </a:p>
+          <a:p>
+            <a:r>
+              <a:rPr lang="en-US"/>
+              <a:t> </a:t>
+            </a:r>
+            <a:endParaRPr lang="en-US"/>
+          </a:p>
+          <a:p>
+            <a:endParaRPr lang="en-US"/>
+          </a:p>
+          <a:p>
+            <a:endParaRPr lang="en-US"/>
+          </a:p>
+          <a:p>
+            <a:endParaRPr lang="en-US"/>
+          </a:p>
+          <a:p>
+            <a:endParaRPr lang="en-US"/>
+          </a:p>
+          <a:p>
+            <a:endParaRPr lang="en-US"/>
+          </a:p>
+          <a:p>
+            <a:r>
+              <a:rPr lang="en-US"/>
+              <a:t>Conclusion: The model can be used for stable interest rates for any future quarters. </a:t>
+            </a:r>
+            <a:endParaRPr lang="en-US"/>
+          </a:p>
+        </p:txBody>
+      </p:sp>
+      <p:pic>
+        <p:nvPicPr>
+          <p:cNvPr id="193" name="Picture 193"/>
+          <p:cNvPicPr>
+            <a:picLocks noChangeAspect="1"/>
+          </p:cNvPicPr>
+          <p:nvPr>
+            <p:ph idx="1"/>
+          </p:nvPr>
+        </p:nvPicPr>
+        <p:blipFill>
+          <a:blip r:embed="rId1"/>
+          <a:stretch>
+            <a:fillRect/>
+          </a:stretch>
+        </p:blipFill>
+        <p:spPr>
+          <a:xfrm>
+            <a:off x="755650" y="3283585"/>
+            <a:ext cx="7566660" cy="1537335"/>
+          </a:xfrm>
+          <a:prstGeom prst="rect">
+            <a:avLst/>
+          </a:prstGeom>
+        </p:spPr>
+      </p:pic>
+    </p:spTree>
+  </p:cSld>
+  <p:clrMapOvr>
+    <a:masterClrMapping/>
+  </p:clrMapOvr>
+  <mc:AlternateContent xmlns:mc="http://schemas.openxmlformats.org/markup-compatibility/2006">
+    <mc:Choice xmlns:p14="http://schemas.microsoft.com/office/powerpoint/2010/main" Requires="p14">
+      <p:transition spd="med" p14:dur="700">
+        <p:fade/>
+      </p:transition>
+    </mc:Choice>
+    <mc:Fallback>
+      <p:transition spd="med">
+        <p:fade/>
+      </p:transition>
+    </mc:Fallback>
+  </mc:AlternateContent>
+</p:sld>
+</file>
+
+<file path=ppt/slides/slide19.xml><?xml version="1.0" encoding="utf-8"?>
+<p:sld xmlns:a="http://schemas.openxmlformats.org/drawingml/2006/main" xmlns:r="http://schemas.openxmlformats.org/officeDocument/2006/relationships" xmlns:p="http://schemas.openxmlformats.org/presentationml/2006/main">
+  <p:cSld>
+    <p:spTree>
+      <p:nvGrpSpPr>
+        <p:cNvPr id="1" name=""/>
+        <p:cNvGrpSpPr/>
+        <p:nvPr/>
+      </p:nvGrpSpPr>
+      <p:grpSpPr>
+        <a:xfrm>
+          <a:off x="0" y="0"/>
+          <a:ext cx="0" cy="0"/>
+          <a:chOff x="0" y="0"/>
+          <a:chExt cx="0" cy="0"/>
+        </a:xfrm>
+      </p:grpSpPr>
+      <p:sp>
+        <p:nvSpPr>
+          <p:cNvPr id="2" name="Title 1"/>
+          <p:cNvSpPr>
+            <a:spLocks noGrp="1"/>
+          </p:cNvSpPr>
+          <p:nvPr>
+            <p:ph type="title"/>
+          </p:nvPr>
+        </p:nvSpPr>
+        <p:spPr/>
+        <p:txBody>
+          <a:bodyPr/>
+          <a:lstStyle/>
+          <a:p>
+            <a:r>
+              <a:rPr lang="en-US" dirty="0"/>
+              <a:t>Classification</a:t>
+            </a:r>
+            <a:endParaRPr lang="en-US" dirty="0"/>
           </a:p>
         </p:txBody>
       </p:sp>
@@ -16075,111 +17352,146 @@
         </p:nvSpPr>
         <p:spPr/>
         <p:txBody>
-          <a:bodyPr>
-            <a:normAutofit/>
-          </a:bodyPr>
+          <a:bodyPr/>
           <a:lstStyle/>
           <a:p>
             <a:r>
-              <a:rPr lang="en-US" dirty="0"/>
-              <a:t> Vishal </a:t>
+              <a:rPr lang="fr-FR" dirty="0" err="1"/>
+              <a:t>Algorithm</a:t>
             </a:r>
             <a:r>
-              <a:rPr lang="en-US" dirty="0" err="1"/>
-              <a:t>Satam</a:t>
+              <a:rPr lang="fr-FR" dirty="0"/>
+              <a:t> </a:t>
             </a:r>
+            <a:r>
+              <a:rPr lang="fr-FR" dirty="0" err="1"/>
+              <a:t>chosen</a:t>
+            </a:r>
+            <a:r>
+              <a:rPr lang="fr-FR" dirty="0"/>
+              <a:t> = </a:t>
+            </a:r>
+            <a:r>
+              <a:rPr lang="fr-FR" dirty="0" err="1"/>
+              <a:t>Random</a:t>
+            </a:r>
+            <a:r>
+              <a:rPr lang="fr-FR" dirty="0"/>
+              <a:t> Forest Classification </a:t>
+            </a:r>
+            <a:r>
+              <a:rPr lang="fr-FR" dirty="0" err="1"/>
+              <a:t>algorithm</a:t>
+            </a:r>
+            <a:endParaRPr lang="fr-FR" dirty="0"/>
+          </a:p>
+          <a:p>
             <a:endParaRPr lang="en-US" dirty="0"/>
-          </a:p>
-          <a:p>
-            <a:pPr lvl="1"/>
-            <a:r>
-              <a:rPr lang="en-US" dirty="0"/>
-              <a:t>Summarization </a:t>
-            </a:r>
-          </a:p>
-          <a:p>
-            <a:pPr lvl="1"/>
-            <a:r>
-              <a:rPr lang="en-US" dirty="0"/>
-              <a:t>EDA</a:t>
-            </a:r>
-          </a:p>
-          <a:p>
-            <a:pPr lvl="1"/>
-            <a:r>
-              <a:rPr lang="en-US" dirty="0" err="1"/>
-              <a:t>Classifcation</a:t>
-            </a:r>
-            <a:endParaRPr lang="en-US" dirty="0"/>
-          </a:p>
-          <a:p>
-            <a:r>
-              <a:rPr lang="en-US" dirty="0"/>
-              <a:t>Manasi Dalvi</a:t>
-            </a:r>
-          </a:p>
-          <a:p>
-            <a:pPr lvl="1"/>
-            <a:r>
-              <a:rPr lang="en-US" dirty="0"/>
-              <a:t>Cleaning</a:t>
-            </a:r>
-          </a:p>
-          <a:p>
-            <a:pPr lvl="1"/>
-            <a:r>
-              <a:rPr lang="en-US" dirty="0"/>
-              <a:t>Feature selection</a:t>
-            </a:r>
-          </a:p>
-          <a:p>
-            <a:pPr lvl="1"/>
-            <a:r>
-              <a:rPr lang="en-US" dirty="0"/>
-              <a:t>Prediction</a:t>
-            </a:r>
           </a:p>
         </p:txBody>
       </p:sp>
-      <p:graphicFrame>
-        <p:nvGraphicFramePr>
-          <p:cNvPr id="6" name="Chart 5"/>
-          <p:cNvGraphicFramePr/>
-          <p:nvPr>
-            <p:extLst>
-              <p:ext uri="{D42A27DB-BD31-4B8C-83A1-F6EECF244321}">
-                <p14:modId xmlns:p14="http://schemas.microsoft.com/office/powerpoint/2010/main" val="3913443102"/>
-              </p:ext>
-            </p:extLst>
-          </p:nvPr>
-        </p:nvGraphicFramePr>
-        <p:xfrm>
-          <a:off x="4655890" y="2281806"/>
-          <a:ext cx="5504110" cy="3856527"/>
-        </p:xfrm>
-        <a:graphic>
-          <a:graphicData uri="http://schemas.openxmlformats.org/drawingml/2006/chart">
-            <c:chart xmlns:c="http://schemas.openxmlformats.org/drawingml/2006/chart" xmlns:r="http://schemas.openxmlformats.org/officeDocument/2006/relationships" r:id="rId2"/>
-          </a:graphicData>
-        </a:graphic>
-      </p:graphicFrame>
+      <p:pic>
+        <p:nvPicPr>
+          <p:cNvPr id="4" name="Picture 3"/>
+          <p:cNvPicPr>
+            <a:picLocks noChangeAspect="1"/>
+          </p:cNvPicPr>
+          <p:nvPr/>
+        </p:nvPicPr>
+        <p:blipFill>
+          <a:blip r:embed="rId1"/>
+          <a:stretch>
+            <a:fillRect/>
+          </a:stretch>
+        </p:blipFill>
+        <p:spPr>
+          <a:xfrm>
+            <a:off x="759069" y="2536825"/>
+            <a:ext cx="5943600" cy="1266825"/>
+          </a:xfrm>
+          <a:prstGeom prst="rect">
+            <a:avLst/>
+          </a:prstGeom>
+        </p:spPr>
+      </p:pic>
+      <p:pic>
+        <p:nvPicPr>
+          <p:cNvPr id="5" name="Picture 4"/>
+          <p:cNvPicPr/>
+          <p:nvPr/>
+        </p:nvPicPr>
+        <p:blipFill>
+          <a:blip r:embed="rId2"/>
+          <a:stretch>
+            <a:fillRect/>
+          </a:stretch>
+        </p:blipFill>
+        <p:spPr>
+          <a:xfrm>
+            <a:off x="759069" y="4247540"/>
+            <a:ext cx="5943600" cy="1456690"/>
+          </a:xfrm>
+          <a:prstGeom prst="rect">
+            <a:avLst/>
+          </a:prstGeom>
+        </p:spPr>
+      </p:pic>
+      <p:pic>
+        <p:nvPicPr>
+          <p:cNvPr id="6" name="Picture 5"/>
+          <p:cNvPicPr/>
+          <p:nvPr/>
+        </p:nvPicPr>
+        <p:blipFill>
+          <a:blip r:embed="rId3"/>
+          <a:stretch>
+            <a:fillRect/>
+          </a:stretch>
+        </p:blipFill>
+        <p:spPr>
+          <a:xfrm>
+            <a:off x="7239000" y="2285268"/>
+            <a:ext cx="4267200" cy="1184275"/>
+          </a:xfrm>
+          <a:prstGeom prst="rect">
+            <a:avLst/>
+          </a:prstGeom>
+        </p:spPr>
+      </p:pic>
+      <p:pic>
+        <p:nvPicPr>
+          <p:cNvPr id="7" name="Picture 6"/>
+          <p:cNvPicPr/>
+          <p:nvPr/>
+        </p:nvPicPr>
+        <p:blipFill>
+          <a:blip r:embed="rId4"/>
+          <a:stretch>
+            <a:fillRect/>
+          </a:stretch>
+        </p:blipFill>
+        <p:spPr>
+          <a:xfrm>
+            <a:off x="7281862" y="3322150"/>
+            <a:ext cx="3614738" cy="2804013"/>
+          </a:xfrm>
+          <a:prstGeom prst="rect">
+            <a:avLst/>
+          </a:prstGeom>
+        </p:spPr>
+      </p:pic>
     </p:spTree>
-    <p:extLst>
-      <p:ext uri="{BB962C8B-B14F-4D97-AF65-F5344CB8AC3E}">
-        <p14:creationId xmlns:p14="http://schemas.microsoft.com/office/powerpoint/2010/main" val="4103836029"/>
-      </p:ext>
-    </p:extLst>
   </p:cSld>
   <p:clrMapOvr>
     <a:masterClrMapping/>
   </p:clrMapOvr>
-  <mc:AlternateContent xmlns:mc="http://schemas.openxmlformats.org/markup-compatibility/2006" xmlns:p14="http://schemas.microsoft.com/office/powerpoint/2010/main">
-    <mc:Choice Requires="p14">
+  <mc:AlternateContent xmlns:mc="http://schemas.openxmlformats.org/markup-compatibility/2006">
+    <mc:Choice xmlns:p14="http://schemas.microsoft.com/office/powerpoint/2010/main" Requires="p14">
       <p:transition spd="med" p14:dur="700">
         <p:fade/>
       </p:transition>
     </mc:Choice>
-    <mc:Fallback xmlns="">
+    <mc:Fallback>
       <p:transition spd="med">
         <p:fade/>
       </p:transition>
@@ -16224,6 +17536,147 @@
               <a:rPr lang="en-US" dirty="0"/>
               <a:t>Summarization</a:t>
             </a:r>
+            <a:endParaRPr lang="en-US" dirty="0"/>
+          </a:p>
+        </p:txBody>
+      </p:sp>
+      <p:sp>
+        <p:nvSpPr>
+          <p:cNvPr id="3" name="Content Placeholder 2"/>
+          <p:cNvSpPr>
+            <a:spLocks noGrp="1"/>
+          </p:cNvSpPr>
+          <p:nvPr>
+            <p:ph idx="1"/>
+          </p:nvPr>
+        </p:nvSpPr>
+        <p:spPr/>
+        <p:txBody>
+          <a:bodyPr>
+            <a:normAutofit lnSpcReduction="10000"/>
+          </a:bodyPr>
+          <a:lstStyle/>
+          <a:p>
+            <a:r>
+              <a:rPr lang="en-US" dirty="0"/>
+              <a:t>Auto Login using Cookies</a:t>
+            </a:r>
+            <a:endParaRPr lang="en-US" dirty="0"/>
+          </a:p>
+          <a:p>
+            <a:r>
+              <a:rPr lang="en-US" dirty="0"/>
+              <a:t>Programmatically Download all data.</a:t>
+            </a:r>
+            <a:endParaRPr lang="en-US" dirty="0"/>
+          </a:p>
+          <a:p>
+            <a:r>
+              <a:rPr lang="en-US" dirty="0"/>
+              <a:t>Summarize sample files from 2005- 2016</a:t>
+            </a:r>
+            <a:endParaRPr lang="en-US" dirty="0"/>
+          </a:p>
+          <a:p>
+            <a:pPr lvl="1"/>
+            <a:r>
+              <a:rPr lang="en-US" dirty="0"/>
+              <a:t>Wrangling</a:t>
+            </a:r>
+            <a:endParaRPr lang="en-US" dirty="0"/>
+          </a:p>
+          <a:p>
+            <a:pPr lvl="1"/>
+            <a:r>
+              <a:rPr lang="en-US" dirty="0"/>
+              <a:t>Fill Null Values, Checking Distribution of variables</a:t>
+            </a:r>
+            <a:endParaRPr lang="en-US" dirty="0"/>
+          </a:p>
+          <a:p>
+            <a:pPr lvl="1"/>
+            <a:r>
+              <a:rPr lang="en-US" dirty="0"/>
+              <a:t>Convert Data Types</a:t>
+            </a:r>
+            <a:endParaRPr lang="en-US" dirty="0"/>
+          </a:p>
+          <a:p>
+            <a:r>
+              <a:rPr lang="en-US" dirty="0"/>
+              <a:t>Origination File – Since the data is small, we have kept the values as is.</a:t>
+            </a:r>
+            <a:endParaRPr lang="en-US" dirty="0"/>
+          </a:p>
+          <a:p>
+            <a:r>
+              <a:rPr lang="en-US" dirty="0"/>
+              <a:t>Performance File – We have taken the minimum and maximum of all values to generate the summary file.</a:t>
+            </a:r>
+            <a:endParaRPr lang="en-US" dirty="0"/>
+          </a:p>
+          <a:p>
+            <a:endParaRPr lang="en-US" dirty="0"/>
+          </a:p>
+        </p:txBody>
+      </p:sp>
+    </p:spTree>
+  </p:cSld>
+  <p:clrMapOvr>
+    <a:masterClrMapping/>
+  </p:clrMapOvr>
+  <mc:AlternateContent xmlns:mc="http://schemas.openxmlformats.org/markup-compatibility/2006">
+    <mc:Choice xmlns:p14="http://schemas.microsoft.com/office/powerpoint/2010/main" Requires="p14">
+      <p:transition spd="med" p14:dur="700">
+        <p:fade/>
+      </p:transition>
+    </mc:Choice>
+    <mc:Fallback>
+      <p:transition spd="med">
+        <p:fade/>
+      </p:transition>
+    </mc:Fallback>
+  </mc:AlternateContent>
+</p:sld>
+</file>
+
+<file path=ppt/slides/slide20.xml><?xml version="1.0" encoding="utf-8"?>
+<p:sld xmlns:a="http://schemas.openxmlformats.org/drawingml/2006/main" xmlns:r="http://schemas.openxmlformats.org/officeDocument/2006/relationships" xmlns:p="http://schemas.openxmlformats.org/presentationml/2006/main">
+  <p:cSld>
+    <p:spTree>
+      <p:nvGrpSpPr>
+        <p:cNvPr id="1" name=""/>
+        <p:cNvGrpSpPr/>
+        <p:nvPr/>
+      </p:nvGrpSpPr>
+      <p:grpSpPr>
+        <a:xfrm>
+          <a:off x="0" y="0"/>
+          <a:ext cx="0" cy="0"/>
+          <a:chOff x="0" y="0"/>
+          <a:chExt cx="0" cy="0"/>
+        </a:xfrm>
+      </p:grpSpPr>
+      <p:sp>
+        <p:nvSpPr>
+          <p:cNvPr id="2" name="Title 1"/>
+          <p:cNvSpPr>
+            <a:spLocks noGrp="1"/>
+          </p:cNvSpPr>
+          <p:nvPr>
+            <p:ph type="title"/>
+          </p:nvPr>
+        </p:nvSpPr>
+        <p:spPr/>
+        <p:txBody>
+          <a:bodyPr/>
+          <a:lstStyle/>
+          <a:p>
+            <a:r>
+              <a:rPr lang="en-US" dirty="0"/>
+              <a:t>Classifications</a:t>
+            </a:r>
+            <a:endParaRPr lang="en-US" dirty="0"/>
           </a:p>
         </p:txBody>
       </p:sp>
@@ -16243,44 +17696,606 @@
           <a:lstStyle/>
           <a:p>
             <a:r>
-              <a:rPr lang="en-US" dirty="0"/>
-              <a:t>Download data programmatically from Freddie Mac Loans Dataset</a:t>
+              <a:rPr lang="fr-FR" dirty="0" err="1"/>
+              <a:t>Comparing</a:t>
             </a:r>
-          </a:p>
-          <a:p>
             <a:r>
-              <a:rPr lang="en-US" dirty="0"/>
-              <a:t>Perform Data Wrangling</a:t>
+              <a:rPr lang="fr-FR" dirty="0"/>
+              <a:t> </a:t>
             </a:r>
-          </a:p>
-          <a:p>
             <a:r>
-              <a:rPr lang="en-US" dirty="0"/>
-              <a:t>Create summary files.</a:t>
+              <a:rPr lang="fr-FR" dirty="0" err="1"/>
+              <a:t>Logistic</a:t>
             </a:r>
+            <a:r>
+              <a:rPr lang="fr-FR" dirty="0"/>
+              <a:t> </a:t>
+            </a:r>
+            <a:r>
+              <a:rPr lang="fr-FR" dirty="0" err="1"/>
+              <a:t>Regression</a:t>
+            </a:r>
+            <a:endParaRPr lang="fr-FR" dirty="0"/>
           </a:p>
           <a:p>
             <a:endParaRPr lang="en-US" dirty="0"/>
           </a:p>
         </p:txBody>
       </p:sp>
+      <p:pic>
+        <p:nvPicPr>
+          <p:cNvPr id="8" name="Picture 7"/>
+          <p:cNvPicPr/>
+          <p:nvPr/>
+        </p:nvPicPr>
+        <p:blipFill>
+          <a:blip r:embed="rId1"/>
+          <a:stretch>
+            <a:fillRect/>
+          </a:stretch>
+        </p:blipFill>
+        <p:spPr>
+          <a:xfrm>
+            <a:off x="1673470" y="2605525"/>
+            <a:ext cx="3708400" cy="798830"/>
+          </a:xfrm>
+          <a:prstGeom prst="rect">
+            <a:avLst/>
+          </a:prstGeom>
+        </p:spPr>
+      </p:pic>
+      <p:pic>
+        <p:nvPicPr>
+          <p:cNvPr id="9" name="Picture 8"/>
+          <p:cNvPicPr/>
+          <p:nvPr/>
+        </p:nvPicPr>
+        <p:blipFill>
+          <a:blip r:embed="rId2"/>
+          <a:stretch>
+            <a:fillRect/>
+          </a:stretch>
+        </p:blipFill>
+        <p:spPr>
+          <a:xfrm>
+            <a:off x="1875692" y="3723542"/>
+            <a:ext cx="3132455" cy="838835"/>
+          </a:xfrm>
+          <a:prstGeom prst="rect">
+            <a:avLst/>
+          </a:prstGeom>
+        </p:spPr>
+      </p:pic>
+      <p:pic>
+        <p:nvPicPr>
+          <p:cNvPr id="10" name="Picture 9"/>
+          <p:cNvPicPr/>
+          <p:nvPr/>
+        </p:nvPicPr>
+        <p:blipFill>
+          <a:blip r:embed="rId3"/>
+          <a:stretch>
+            <a:fillRect/>
+          </a:stretch>
+        </p:blipFill>
+        <p:spPr>
+          <a:xfrm>
+            <a:off x="6195109" y="3723932"/>
+            <a:ext cx="3431198" cy="2335286"/>
+          </a:xfrm>
+          <a:prstGeom prst="rect">
+            <a:avLst/>
+          </a:prstGeom>
+        </p:spPr>
+      </p:pic>
+      <p:pic>
+        <p:nvPicPr>
+          <p:cNvPr id="11" name="Picture 10"/>
+          <p:cNvPicPr/>
+          <p:nvPr/>
+        </p:nvPicPr>
+        <p:blipFill>
+          <a:blip r:embed="rId4"/>
+          <a:stretch>
+            <a:fillRect/>
+          </a:stretch>
+        </p:blipFill>
+        <p:spPr>
+          <a:xfrm>
+            <a:off x="6606833" y="2589749"/>
+            <a:ext cx="2062480" cy="1024255"/>
+          </a:xfrm>
+          <a:prstGeom prst="rect">
+            <a:avLst/>
+          </a:prstGeom>
+        </p:spPr>
+      </p:pic>
     </p:spTree>
-    <p:extLst>
-      <p:ext uri="{BB962C8B-B14F-4D97-AF65-F5344CB8AC3E}">
-        <p14:creationId xmlns:p14="http://schemas.microsoft.com/office/powerpoint/2010/main" val="3984617762"/>
-      </p:ext>
-    </p:extLst>
   </p:cSld>
   <p:clrMapOvr>
     <a:masterClrMapping/>
   </p:clrMapOvr>
-  <mc:AlternateContent xmlns:mc="http://schemas.openxmlformats.org/markup-compatibility/2006" xmlns:p14="http://schemas.microsoft.com/office/powerpoint/2010/main">
-    <mc:Choice Requires="p14">
+  <mc:AlternateContent xmlns:mc="http://schemas.openxmlformats.org/markup-compatibility/2006">
+    <mc:Choice xmlns:p14="http://schemas.microsoft.com/office/powerpoint/2010/main" Requires="p14">
       <p:transition spd="med" p14:dur="700">
         <p:fade/>
       </p:transition>
     </mc:Choice>
-    <mc:Fallback xmlns="">
+    <mc:Fallback>
+      <p:transition spd="med">
+        <p:fade/>
+      </p:transition>
+    </mc:Fallback>
+  </mc:AlternateContent>
+</p:sld>
+</file>
+
+<file path=ppt/slides/slide21.xml><?xml version="1.0" encoding="utf-8"?>
+<p:sld xmlns:a="http://schemas.openxmlformats.org/drawingml/2006/main" xmlns:r="http://schemas.openxmlformats.org/officeDocument/2006/relationships" xmlns:p="http://schemas.openxmlformats.org/presentationml/2006/main">
+  <p:cSld>
+    <p:spTree>
+      <p:nvGrpSpPr>
+        <p:cNvPr id="1" name=""/>
+        <p:cNvGrpSpPr/>
+        <p:nvPr/>
+      </p:nvGrpSpPr>
+      <p:grpSpPr>
+        <a:xfrm>
+          <a:off x="0" y="0"/>
+          <a:ext cx="0" cy="0"/>
+          <a:chOff x="0" y="0"/>
+          <a:chExt cx="0" cy="0"/>
+        </a:xfrm>
+      </p:grpSpPr>
+      <p:sp>
+        <p:nvSpPr>
+          <p:cNvPr id="2" name="Title 1"/>
+          <p:cNvSpPr>
+            <a:spLocks noGrp="1"/>
+          </p:cNvSpPr>
+          <p:nvPr>
+            <p:ph type="title"/>
+          </p:nvPr>
+        </p:nvSpPr>
+        <p:spPr/>
+        <p:txBody>
+          <a:bodyPr/>
+          <a:lstStyle/>
+          <a:p>
+            <a:r>
+              <a:rPr lang="en-US" dirty="0"/>
+              <a:t>Classifications</a:t>
+            </a:r>
+            <a:endParaRPr lang="en-US" dirty="0"/>
+          </a:p>
+        </p:txBody>
+      </p:sp>
+      <p:sp>
+        <p:nvSpPr>
+          <p:cNvPr id="3" name="Content Placeholder 2"/>
+          <p:cNvSpPr>
+            <a:spLocks noGrp="1"/>
+          </p:cNvSpPr>
+          <p:nvPr>
+            <p:ph sz="half" idx="1"/>
+          </p:nvPr>
+        </p:nvSpPr>
+        <p:spPr/>
+        <p:txBody>
+          <a:bodyPr/>
+          <a:lstStyle/>
+          <a:p>
+            <a:r>
+              <a:rPr lang="fr-FR" dirty="0" err="1"/>
+              <a:t>Comparing</a:t>
+            </a:r>
+            <a:r>
+              <a:rPr lang="fr-FR" dirty="0"/>
+              <a:t> </a:t>
+            </a:r>
+            <a:r>
+              <a:rPr lang="en-US" altLang="fr-FR" dirty="0" err="1"/>
+              <a:t>Neural Network</a:t>
+            </a:r>
+            <a:endParaRPr lang="en-US" altLang="fr-FR" dirty="0" err="1"/>
+          </a:p>
+          <a:p>
+            <a:pPr marL="0" indent="0">
+              <a:buNone/>
+            </a:pPr>
+            <a:endParaRPr lang="en-US" altLang="fr-FR" dirty="0" err="1"/>
+          </a:p>
+          <a:p>
+            <a:endParaRPr lang="en-US" dirty="0"/>
+          </a:p>
+        </p:txBody>
+      </p:sp>
+      <p:pic>
+        <p:nvPicPr>
+          <p:cNvPr id="50" name="Picture 50"/>
+          <p:cNvPicPr>
+            <a:picLocks noChangeAspect="1"/>
+          </p:cNvPicPr>
+          <p:nvPr>
+            <p:ph sz="half" idx="2"/>
+          </p:nvPr>
+        </p:nvPicPr>
+        <p:blipFill>
+          <a:blip r:embed="rId1"/>
+          <a:stretch>
+            <a:fillRect/>
+          </a:stretch>
+        </p:blipFill>
+        <p:spPr>
+          <a:xfrm>
+            <a:off x="6211570" y="1283970"/>
+            <a:ext cx="3733800" cy="1790700"/>
+          </a:xfrm>
+          <a:prstGeom prst="rect">
+            <a:avLst/>
+          </a:prstGeom>
+        </p:spPr>
+      </p:pic>
+      <p:pic>
+        <p:nvPicPr>
+          <p:cNvPr id="51" name="Picture 51"/>
+          <p:cNvPicPr/>
+          <p:nvPr/>
+        </p:nvPicPr>
+        <p:blipFill>
+          <a:blip r:embed="rId2"/>
+          <a:stretch>
+            <a:fillRect/>
+          </a:stretch>
+        </p:blipFill>
+        <p:spPr>
+          <a:xfrm>
+            <a:off x="6211570" y="3593465"/>
+            <a:ext cx="3112135" cy="2372360"/>
+          </a:xfrm>
+          <a:prstGeom prst="rect">
+            <a:avLst/>
+          </a:prstGeom>
+        </p:spPr>
+      </p:pic>
+      <p:pic>
+        <p:nvPicPr>
+          <p:cNvPr id="48" name="Picture 48"/>
+          <p:cNvPicPr/>
+          <p:nvPr/>
+        </p:nvPicPr>
+        <p:blipFill>
+          <a:blip r:embed="rId3"/>
+          <a:stretch>
+            <a:fillRect/>
+          </a:stretch>
+        </p:blipFill>
+        <p:spPr>
+          <a:xfrm>
+            <a:off x="1295400" y="4442460"/>
+            <a:ext cx="2683510" cy="887730"/>
+          </a:xfrm>
+          <a:prstGeom prst="rect">
+            <a:avLst/>
+          </a:prstGeom>
+        </p:spPr>
+      </p:pic>
+      <p:pic>
+        <p:nvPicPr>
+          <p:cNvPr id="46" name="Picture 46"/>
+          <p:cNvPicPr/>
+          <p:nvPr/>
+        </p:nvPicPr>
+        <p:blipFill>
+          <a:blip r:embed="rId4"/>
+          <a:stretch>
+            <a:fillRect/>
+          </a:stretch>
+        </p:blipFill>
+        <p:spPr>
+          <a:xfrm>
+            <a:off x="1295400" y="2708275"/>
+            <a:ext cx="2683510" cy="1235710"/>
+          </a:xfrm>
+          <a:prstGeom prst="rect">
+            <a:avLst/>
+          </a:prstGeom>
+        </p:spPr>
+      </p:pic>
+    </p:spTree>
+  </p:cSld>
+  <p:clrMapOvr>
+    <a:masterClrMapping/>
+  </p:clrMapOvr>
+  <mc:AlternateContent xmlns:mc="http://schemas.openxmlformats.org/markup-compatibility/2006">
+    <mc:Choice xmlns:p14="http://schemas.microsoft.com/office/powerpoint/2010/main" Requires="p14">
+      <p:transition spd="med" p14:dur="700">
+        <p:fade/>
+      </p:transition>
+    </mc:Choice>
+    <mc:Fallback>
+      <p:transition spd="med">
+        <p:fade/>
+      </p:transition>
+    </mc:Fallback>
+  </mc:AlternateContent>
+</p:sld>
+</file>
+
+<file path=ppt/slides/slide22.xml><?xml version="1.0" encoding="utf-8"?>
+<p:sld xmlns:a="http://schemas.openxmlformats.org/drawingml/2006/main" xmlns:r="http://schemas.openxmlformats.org/officeDocument/2006/relationships" xmlns:p="http://schemas.openxmlformats.org/presentationml/2006/main">
+  <p:cSld>
+    <p:spTree>
+      <p:nvGrpSpPr>
+        <p:cNvPr id="1" name=""/>
+        <p:cNvGrpSpPr/>
+        <p:nvPr/>
+      </p:nvGrpSpPr>
+      <p:grpSpPr>
+        <a:xfrm>
+          <a:off x="0" y="0"/>
+          <a:ext cx="0" cy="0"/>
+          <a:chOff x="0" y="0"/>
+          <a:chExt cx="0" cy="0"/>
+        </a:xfrm>
+      </p:grpSpPr>
+      <p:sp>
+        <p:nvSpPr>
+          <p:cNvPr id="2" name="Title 1"/>
+          <p:cNvSpPr>
+            <a:spLocks noGrp="1"/>
+          </p:cNvSpPr>
+          <p:nvPr>
+            <p:ph type="title"/>
+          </p:nvPr>
+        </p:nvSpPr>
+        <p:spPr/>
+        <p:txBody>
+          <a:bodyPr/>
+          <a:lstStyle/>
+          <a:p>
+            <a:endParaRPr lang="en-US" dirty="0"/>
+          </a:p>
+        </p:txBody>
+      </p:sp>
+      <p:sp>
+        <p:nvSpPr>
+          <p:cNvPr id="3" name="Content Placeholder 2"/>
+          <p:cNvSpPr>
+            <a:spLocks noGrp="1"/>
+          </p:cNvSpPr>
+          <p:nvPr>
+            <p:ph idx="1"/>
+          </p:nvPr>
+        </p:nvSpPr>
+        <p:spPr/>
+        <p:txBody>
+          <a:bodyPr/>
+          <a:lstStyle/>
+          <a:p>
+            <a:pPr marL="0" indent="0">
+              <a:buNone/>
+            </a:pPr>
+            <a:endParaRPr lang="en-US" dirty="0"/>
+          </a:p>
+        </p:txBody>
+      </p:sp>
+      <p:pic>
+        <p:nvPicPr>
+          <p:cNvPr id="14" name="Picture 13"/>
+          <p:cNvPicPr/>
+          <p:nvPr/>
+        </p:nvPicPr>
+        <p:blipFill>
+          <a:blip r:embed="rId1"/>
+          <a:stretch>
+            <a:fillRect/>
+          </a:stretch>
+        </p:blipFill>
+        <p:spPr>
+          <a:xfrm>
+            <a:off x="2497015" y="3426924"/>
+            <a:ext cx="6845186" cy="3458552"/>
+          </a:xfrm>
+          <a:prstGeom prst="rect">
+            <a:avLst/>
+          </a:prstGeom>
+        </p:spPr>
+      </p:pic>
+      <p:pic>
+        <p:nvPicPr>
+          <p:cNvPr id="15" name="Picture 14"/>
+          <p:cNvPicPr/>
+          <p:nvPr/>
+        </p:nvPicPr>
+        <p:blipFill>
+          <a:blip r:embed="rId2"/>
+          <a:stretch>
+            <a:fillRect/>
+          </a:stretch>
+        </p:blipFill>
+        <p:spPr>
+          <a:xfrm>
+            <a:off x="72585" y="-104775"/>
+            <a:ext cx="6845186" cy="3426924"/>
+          </a:xfrm>
+          <a:prstGeom prst="rect">
+            <a:avLst/>
+          </a:prstGeom>
+        </p:spPr>
+      </p:pic>
+    </p:spTree>
+  </p:cSld>
+  <p:clrMapOvr>
+    <a:masterClrMapping/>
+  </p:clrMapOvr>
+  <mc:AlternateContent xmlns:mc="http://schemas.openxmlformats.org/markup-compatibility/2006">
+    <mc:Choice xmlns:p14="http://schemas.microsoft.com/office/powerpoint/2010/main" Requires="p14">
+      <p:transition spd="med" p14:dur="700">
+        <p:fade/>
+      </p:transition>
+    </mc:Choice>
+    <mc:Fallback>
+      <p:transition spd="med">
+        <p:fade/>
+      </p:transition>
+    </mc:Fallback>
+  </mc:AlternateContent>
+</p:sld>
+</file>
+
+<file path=ppt/slides/slide23.xml><?xml version="1.0" encoding="utf-8"?>
+<p:sld xmlns:a="http://schemas.openxmlformats.org/drawingml/2006/main" xmlns:r="http://schemas.openxmlformats.org/officeDocument/2006/relationships" xmlns:p="http://schemas.openxmlformats.org/presentationml/2006/main">
+  <p:cSld>
+    <p:spTree>
+      <p:nvGrpSpPr>
+        <p:cNvPr id="1" name=""/>
+        <p:cNvGrpSpPr/>
+        <p:nvPr/>
+      </p:nvGrpSpPr>
+      <p:grpSpPr>
+        <a:xfrm>
+          <a:off x="0" y="0"/>
+          <a:ext cx="0" cy="0"/>
+          <a:chOff x="0" y="0"/>
+          <a:chExt cx="0" cy="0"/>
+        </a:xfrm>
+      </p:grpSpPr>
+      <p:sp>
+        <p:nvSpPr>
+          <p:cNvPr id="2" name="Title 1"/>
+          <p:cNvSpPr>
+            <a:spLocks noGrp="1"/>
+          </p:cNvSpPr>
+          <p:nvPr>
+            <p:ph type="title"/>
+          </p:nvPr>
+        </p:nvSpPr>
+        <p:spPr/>
+        <p:txBody>
+          <a:bodyPr/>
+          <a:lstStyle/>
+          <a:p>
+            <a:r>
+              <a:rPr lang="en-US" dirty="0"/>
+              <a:t>Work Contribution </a:t>
+            </a:r>
+            <a:endParaRPr lang="en-US" dirty="0"/>
+          </a:p>
+        </p:txBody>
+      </p:sp>
+      <p:sp>
+        <p:nvSpPr>
+          <p:cNvPr id="3" name="Content Placeholder 2"/>
+          <p:cNvSpPr>
+            <a:spLocks noGrp="1"/>
+          </p:cNvSpPr>
+          <p:nvPr>
+            <p:ph idx="1"/>
+          </p:nvPr>
+        </p:nvSpPr>
+        <p:spPr/>
+        <p:txBody>
+          <a:bodyPr>
+            <a:normAutofit/>
+          </a:bodyPr>
+          <a:lstStyle/>
+          <a:p>
+            <a:r>
+              <a:rPr lang="en-US" dirty="0"/>
+              <a:t> Vishal </a:t>
+            </a:r>
+            <a:r>
+              <a:rPr lang="en-US" dirty="0" err="1"/>
+              <a:t>Satam</a:t>
+            </a:r>
+            <a:endParaRPr lang="en-US" dirty="0"/>
+          </a:p>
+          <a:p>
+            <a:pPr lvl="1"/>
+            <a:r>
+              <a:rPr lang="en-US" dirty="0"/>
+              <a:t>Summarization </a:t>
+            </a:r>
+            <a:endParaRPr lang="en-US" dirty="0"/>
+          </a:p>
+          <a:p>
+            <a:pPr lvl="1"/>
+            <a:r>
+              <a:rPr lang="en-US" dirty="0"/>
+              <a:t>EDA</a:t>
+            </a:r>
+            <a:endParaRPr lang="en-US" dirty="0"/>
+          </a:p>
+          <a:p>
+            <a:pPr lvl="1"/>
+            <a:r>
+              <a:rPr lang="en-US" dirty="0" err="1"/>
+              <a:t>Classifcation</a:t>
+            </a:r>
+            <a:endParaRPr lang="en-US" dirty="0"/>
+          </a:p>
+          <a:p>
+            <a:r>
+              <a:rPr lang="en-US" dirty="0"/>
+              <a:t>Manasi Dalvi</a:t>
+            </a:r>
+            <a:endParaRPr lang="en-US" dirty="0"/>
+          </a:p>
+          <a:p>
+            <a:pPr lvl="1"/>
+            <a:r>
+              <a:rPr lang="en-US" dirty="0"/>
+              <a:t>Cleaning</a:t>
+            </a:r>
+            <a:endParaRPr lang="en-US" dirty="0"/>
+          </a:p>
+          <a:p>
+            <a:pPr lvl="1"/>
+            <a:r>
+              <a:rPr lang="en-US" dirty="0"/>
+              <a:t>Feature selection</a:t>
+            </a:r>
+            <a:endParaRPr lang="en-US" dirty="0"/>
+          </a:p>
+          <a:p>
+            <a:pPr lvl="1"/>
+            <a:r>
+              <a:rPr lang="en-US" dirty="0"/>
+              <a:t>Prediction</a:t>
+            </a:r>
+            <a:endParaRPr lang="en-US" dirty="0"/>
+          </a:p>
+        </p:txBody>
+      </p:sp>
+      <p:graphicFrame>
+        <p:nvGraphicFramePr>
+          <p:cNvPr id="6" name="Chart 5"/>
+          <p:cNvGraphicFramePr/>
+          <p:nvPr/>
+        </p:nvGraphicFramePr>
+        <p:xfrm>
+          <a:off x="4655890" y="2281806"/>
+          <a:ext cx="5504110" cy="3856527"/>
+        </p:xfrm>
+        <a:graphic>
+          <a:graphicData uri="http://schemas.openxmlformats.org/drawingml/2006/chart">
+            <c:chart xmlns:c="http://schemas.openxmlformats.org/drawingml/2006/chart" xmlns:r="http://schemas.openxmlformats.org/officeDocument/2006/relationships" r:id="rId1"/>
+          </a:graphicData>
+        </a:graphic>
+      </p:graphicFrame>
+    </p:spTree>
+  </p:cSld>
+  <p:clrMapOvr>
+    <a:masterClrMapping/>
+  </p:clrMapOvr>
+  <mc:AlternateContent xmlns:mc="http://schemas.openxmlformats.org/markup-compatibility/2006">
+    <mc:Choice xmlns:p14="http://schemas.microsoft.com/office/powerpoint/2010/main" Requires="p14">
+      <p:transition spd="med" p14:dur="700">
+        <p:fade/>
+      </p:transition>
+    </mc:Choice>
+    <mc:Fallback>
       <p:transition spd="med">
         <p:fade/>
       </p:transition>
@@ -16325,6 +18340,7 @@
               <a:rPr lang="en-US" dirty="0"/>
               <a:t>Exploratory Data Analysis</a:t>
             </a:r>
+            <a:endParaRPr lang="en-US" dirty="0"/>
           </a:p>
         </p:txBody>
       </p:sp>
@@ -16347,32 +18363,29 @@
               <a:rPr lang="en-US" dirty="0"/>
               <a:t>Perform EDA on Summary files</a:t>
             </a:r>
+            <a:endParaRPr lang="en-US" dirty="0"/>
           </a:p>
           <a:p>
             <a:r>
               <a:rPr lang="en-US" dirty="0"/>
               <a:t>Analyze trends for interest rate and Delinquencies.</a:t>
             </a:r>
+            <a:endParaRPr lang="en-US" dirty="0"/>
           </a:p>
         </p:txBody>
       </p:sp>
     </p:spTree>
-    <p:extLst>
-      <p:ext uri="{BB962C8B-B14F-4D97-AF65-F5344CB8AC3E}">
-        <p14:creationId xmlns:p14="http://schemas.microsoft.com/office/powerpoint/2010/main" val="1476019738"/>
-      </p:ext>
-    </p:extLst>
   </p:cSld>
   <p:clrMapOvr>
     <a:masterClrMapping/>
   </p:clrMapOvr>
-  <mc:AlternateContent xmlns:mc="http://schemas.openxmlformats.org/markup-compatibility/2006" xmlns:p14="http://schemas.microsoft.com/office/powerpoint/2010/main">
-    <mc:Choice Requires="p14">
+  <mc:AlternateContent xmlns:mc="http://schemas.openxmlformats.org/markup-compatibility/2006">
+    <mc:Choice xmlns:p14="http://schemas.microsoft.com/office/powerpoint/2010/main" Requires="p14">
       <p:transition spd="med" p14:dur="700">
         <p:fade/>
       </p:transition>
     </mc:Choice>
-    <mc:Fallback xmlns="">
+    <mc:Fallback>
       <p:transition spd="med">
         <p:fade/>
       </p:transition>
@@ -16415,8 +18428,9 @@
           <a:p>
             <a:r>
               <a:rPr lang="en-US" dirty="0"/>
-              <a:t>Feature Selection</a:t>
+              <a:t>Missing Values</a:t>
             </a:r>
+            <a:endParaRPr lang="en-US" dirty="0"/>
           </a:p>
         </p:txBody>
       </p:sp>
@@ -16427,7 +18441,7 @@
             <a:spLocks noGrp="1"/>
           </p:cNvSpPr>
           <p:nvPr>
-            <p:ph sz="half" idx="1"/>
+            <p:ph idx="1"/>
           </p:nvPr>
         </p:nvSpPr>
         <p:spPr/>
@@ -16435,42 +18449,66 @@
           <a:bodyPr/>
           <a:lstStyle/>
           <a:p>
-            <a:r>
-              <a:rPr lang="en-US" dirty="0"/>
-              <a:t>Lasso Regression</a:t>
-            </a:r>
-          </a:p>
-          <a:p>
-            <a:r>
-              <a:rPr lang="en-US" dirty="0"/>
-              <a:t>Recursive Feature Elimination</a:t>
-            </a:r>
-          </a:p>
-          <a:p>
-            <a:r>
-              <a:rPr lang="en-US" dirty="0"/>
-              <a:t>Linear Regression</a:t>
-            </a:r>
+            <a:endParaRPr lang="en-US" dirty="0"/>
           </a:p>
         </p:txBody>
       </p:sp>
+      <p:pic>
+        <p:nvPicPr>
+          <p:cNvPr id="4" name="Picture 3"/>
+          <p:cNvPicPr/>
+          <p:nvPr/>
+        </p:nvPicPr>
+        <p:blipFill>
+          <a:blip r:embed="rId1"/>
+          <a:stretch>
+            <a:fillRect/>
+          </a:stretch>
+        </p:blipFill>
+        <p:spPr>
+          <a:xfrm>
+            <a:off x="7426570" y="790758"/>
+            <a:ext cx="4443046" cy="5861905"/>
+          </a:xfrm>
+          <a:prstGeom prst="rect">
+            <a:avLst/>
+          </a:prstGeom>
+        </p:spPr>
+      </p:pic>
+      <p:pic>
+        <p:nvPicPr>
+          <p:cNvPr id="5" name="Picture 4"/>
+          <p:cNvPicPr/>
+          <p:nvPr/>
+        </p:nvPicPr>
+        <p:blipFill>
+          <a:blip r:embed="rId2"/>
+          <a:stretch>
+            <a:fillRect/>
+          </a:stretch>
+        </p:blipFill>
+        <p:spPr>
+          <a:xfrm>
+            <a:off x="4584822" y="1119737"/>
+            <a:ext cx="2841748" cy="5532926"/>
+          </a:xfrm>
+          <a:prstGeom prst="rect">
+            <a:avLst/>
+          </a:prstGeom>
+        </p:spPr>
+      </p:pic>
     </p:spTree>
-    <p:extLst>
-      <p:ext uri="{BB962C8B-B14F-4D97-AF65-F5344CB8AC3E}">
-        <p14:creationId xmlns:p14="http://schemas.microsoft.com/office/powerpoint/2010/main" val="2475092730"/>
-      </p:ext>
-    </p:extLst>
   </p:cSld>
   <p:clrMapOvr>
     <a:masterClrMapping/>
   </p:clrMapOvr>
-  <mc:AlternateContent xmlns:mc="http://schemas.openxmlformats.org/markup-compatibility/2006" xmlns:p14="http://schemas.microsoft.com/office/powerpoint/2010/main">
-    <mc:Choice Requires="p14">
+  <mc:AlternateContent xmlns:mc="http://schemas.openxmlformats.org/markup-compatibility/2006">
+    <mc:Choice xmlns:p14="http://schemas.microsoft.com/office/powerpoint/2010/main" Requires="p14">
       <p:transition spd="med" p14:dur="700">
         <p:fade/>
       </p:transition>
     </mc:Choice>
-    <mc:Fallback xmlns="">
+    <mc:Fallback>
       <p:transition spd="med">
         <p:fade/>
       </p:transition>
@@ -16498,7 +18536,7 @@
       </p:grpSpPr>
       <p:sp>
         <p:nvSpPr>
-          <p:cNvPr id="2" name="Title 1"/>
+          <p:cNvPr id="6" name="Title 5"/>
           <p:cNvSpPr>
             <a:spLocks noGrp="1"/>
           </p:cNvSpPr>
@@ -16506,85 +18544,75 @@
             <p:ph type="title"/>
           </p:nvPr>
         </p:nvSpPr>
-        <p:spPr>
-          <a:xfrm>
-            <a:off x="1295400" y="503854"/>
-            <a:ext cx="9601200" cy="771274"/>
-          </a:xfrm>
-        </p:spPr>
+        <p:spPr/>
         <p:txBody>
           <a:bodyPr/>
           <a:lstStyle/>
           <a:p>
             <a:r>
               <a:rPr lang="en-US" dirty="0"/>
-              <a:t>Predictive Analysis</a:t>
+              <a:t>Exploratory Data Analysis</a:t>
             </a:r>
+            <a:endParaRPr lang="en-US" dirty="0"/>
           </a:p>
         </p:txBody>
       </p:sp>
-      <p:sp>
-        <p:nvSpPr>
-          <p:cNvPr id="3" name="Content Placeholder 2"/>
-          <p:cNvSpPr>
-            <a:spLocks noGrp="1"/>
-          </p:cNvSpPr>
-          <p:nvPr>
-            <p:ph idx="1"/>
-          </p:nvPr>
-        </p:nvSpPr>
+      <p:pic>
+        <p:nvPicPr>
+          <p:cNvPr id="7" name="Picture 6"/>
+          <p:cNvPicPr/>
+          <p:nvPr/>
+        </p:nvPicPr>
+        <p:blipFill>
+          <a:blip r:embed="rId1"/>
+          <a:stretch>
+            <a:fillRect/>
+          </a:stretch>
+        </p:blipFill>
         <p:spPr>
           <a:xfrm>
-            <a:off x="1085675" y="1410749"/>
-            <a:ext cx="9601200" cy="3809999"/>
+            <a:off x="1233853" y="1711690"/>
+            <a:ext cx="4537075" cy="3063875"/>
           </a:xfrm>
+          <a:prstGeom prst="rect">
+            <a:avLst/>
+          </a:prstGeom>
         </p:spPr>
-        <p:txBody>
-          <a:bodyPr/>
-          <a:lstStyle/>
-          <a:p>
-            <a:r>
-              <a:rPr lang="en-US" dirty="0"/>
-              <a:t>Economic Boom</a:t>
-            </a:r>
-          </a:p>
-          <a:p>
-            <a:r>
-              <a:rPr lang="en-US" dirty="0"/>
-              <a:t>Financial Crisis</a:t>
-            </a:r>
-          </a:p>
-          <a:p>
-            <a:r>
-              <a:rPr lang="en-US" dirty="0"/>
-              <a:t>Market recovery</a:t>
-            </a:r>
-          </a:p>
-          <a:p>
-            <a:r>
-              <a:rPr lang="en-US" dirty="0"/>
-              <a:t>For future predictions</a:t>
-            </a:r>
-          </a:p>
-        </p:txBody>
-      </p:sp>
+      </p:pic>
+      <p:pic>
+        <p:nvPicPr>
+          <p:cNvPr id="8" name="Picture 7"/>
+          <p:cNvPicPr/>
+          <p:nvPr/>
+        </p:nvPicPr>
+        <p:blipFill>
+          <a:blip r:embed="rId2"/>
+          <a:stretch>
+            <a:fillRect/>
+          </a:stretch>
+        </p:blipFill>
+        <p:spPr>
+          <a:xfrm>
+            <a:off x="6667745" y="1646238"/>
+            <a:ext cx="4407535" cy="3175000"/>
+          </a:xfrm>
+          <a:prstGeom prst="rect">
+            <a:avLst/>
+          </a:prstGeom>
+        </p:spPr>
+      </p:pic>
     </p:spTree>
-    <p:extLst>
-      <p:ext uri="{BB962C8B-B14F-4D97-AF65-F5344CB8AC3E}">
-        <p14:creationId xmlns:p14="http://schemas.microsoft.com/office/powerpoint/2010/main" val="2761515851"/>
-      </p:ext>
-    </p:extLst>
   </p:cSld>
   <p:clrMapOvr>
     <a:masterClrMapping/>
   </p:clrMapOvr>
-  <mc:AlternateContent xmlns:mc="http://schemas.openxmlformats.org/markup-compatibility/2006" xmlns:p14="http://schemas.microsoft.com/office/powerpoint/2010/main">
-    <mc:Choice Requires="p14">
+  <mc:AlternateContent xmlns:mc="http://schemas.openxmlformats.org/markup-compatibility/2006">
+    <mc:Choice xmlns:p14="http://schemas.microsoft.com/office/powerpoint/2010/main" Requires="p14">
       <p:transition spd="med" p14:dur="700">
         <p:fade/>
       </p:transition>
     </mc:Choice>
-    <mc:Fallback xmlns="">
+    <mc:Fallback>
       <p:transition spd="med">
         <p:fade/>
       </p:transition>
@@ -16627,53 +18655,68 @@
           <a:p>
             <a:r>
               <a:rPr lang="en-US" dirty="0"/>
-              <a:t>Economic Boom</a:t>
+              <a:t>Exploratory Data Analysis</a:t>
             </a:r>
+            <a:endParaRPr lang="en-US" dirty="0"/>
           </a:p>
         </p:txBody>
       </p:sp>
-      <p:sp>
-        <p:nvSpPr>
-          <p:cNvPr id="3" name="Content Placeholder 2"/>
-          <p:cNvSpPr>
-            <a:spLocks noGrp="1"/>
-          </p:cNvSpPr>
-          <p:nvPr>
-            <p:ph idx="1"/>
-          </p:nvPr>
-        </p:nvSpPr>
-        <p:spPr/>
-        <p:txBody>
-          <a:bodyPr/>
-          <a:lstStyle/>
-          <a:p>
-            <a:r>
-              <a:rPr lang="en-US" dirty="0"/>
-              <a:t>Cleaning and replacing missing values</a:t>
-            </a:r>
-          </a:p>
-          <a:p>
-            <a:endParaRPr lang="en-US" dirty="0"/>
-          </a:p>
-        </p:txBody>
-      </p:sp>
+      <p:pic>
+        <p:nvPicPr>
+          <p:cNvPr id="9" name="Picture 8"/>
+          <p:cNvPicPr/>
+          <p:nvPr/>
+        </p:nvPicPr>
+        <p:blipFill>
+          <a:blip r:embed="rId1"/>
+          <a:stretch>
+            <a:fillRect/>
+          </a:stretch>
+        </p:blipFill>
+        <p:spPr>
+          <a:xfrm>
+            <a:off x="688731" y="1923415"/>
+            <a:ext cx="3672254" cy="3088200"/>
+          </a:xfrm>
+          <a:prstGeom prst="rect">
+            <a:avLst/>
+          </a:prstGeom>
+        </p:spPr>
+      </p:pic>
+      <p:pic>
+        <p:nvPicPr>
+          <p:cNvPr id="10" name="Picture 9"/>
+          <p:cNvPicPr/>
+          <p:nvPr/>
+        </p:nvPicPr>
+        <p:blipFill>
+          <a:blip r:embed="rId2"/>
+          <a:stretch>
+            <a:fillRect/>
+          </a:stretch>
+        </p:blipFill>
+        <p:spPr>
+          <a:xfrm>
+            <a:off x="4528039" y="1923415"/>
+            <a:ext cx="7423638" cy="3710184"/>
+          </a:xfrm>
+          <a:prstGeom prst="rect">
+            <a:avLst/>
+          </a:prstGeom>
+        </p:spPr>
+      </p:pic>
     </p:spTree>
-    <p:extLst>
-      <p:ext uri="{BB962C8B-B14F-4D97-AF65-F5344CB8AC3E}">
-        <p14:creationId xmlns:p14="http://schemas.microsoft.com/office/powerpoint/2010/main" val="149917534"/>
-      </p:ext>
-    </p:extLst>
   </p:cSld>
   <p:clrMapOvr>
     <a:masterClrMapping/>
   </p:clrMapOvr>
-  <mc:AlternateContent xmlns:mc="http://schemas.openxmlformats.org/markup-compatibility/2006" xmlns:p14="http://schemas.microsoft.com/office/powerpoint/2010/main">
-    <mc:Choice Requires="p14">
+  <mc:AlternateContent xmlns:mc="http://schemas.openxmlformats.org/markup-compatibility/2006">
+    <mc:Choice xmlns:p14="http://schemas.microsoft.com/office/powerpoint/2010/main" Requires="p14">
       <p:transition spd="med" p14:dur="700">
         <p:fade/>
       </p:transition>
     </mc:Choice>
-    <mc:Fallback xmlns="">
+    <mc:Fallback>
       <p:transition spd="med">
         <p:fade/>
       </p:transition>
@@ -16701,7 +18744,7 @@
       </p:grpSpPr>
       <p:sp>
         <p:nvSpPr>
-          <p:cNvPr id="2" name="Title 1"/>
+          <p:cNvPr id="6" name="Title 5"/>
           <p:cNvSpPr>
             <a:spLocks noGrp="1"/>
           </p:cNvSpPr>
@@ -16716,53 +18759,46 @@
           <a:p>
             <a:r>
               <a:rPr lang="en-US" dirty="0"/>
-              <a:t>Financial crisis</a:t>
+              <a:t>Exploratory Data Analysis</a:t>
             </a:r>
+            <a:endParaRPr lang="en-US" dirty="0"/>
           </a:p>
         </p:txBody>
       </p:sp>
-      <p:sp>
-        <p:nvSpPr>
-          <p:cNvPr id="3" name="Content Placeholder 2"/>
-          <p:cNvSpPr>
-            <a:spLocks noGrp="1"/>
-          </p:cNvSpPr>
-          <p:nvPr>
-            <p:ph idx="1"/>
-          </p:nvPr>
-        </p:nvSpPr>
-        <p:spPr/>
-        <p:txBody>
-          <a:bodyPr/>
-          <a:lstStyle/>
-          <a:p>
-            <a:r>
-              <a:rPr lang="en-US" dirty="0"/>
-              <a:t>Cleaning and replacing missing values</a:t>
-            </a:r>
-          </a:p>
-          <a:p>
-            <a:endParaRPr lang="en-US" dirty="0"/>
-          </a:p>
-        </p:txBody>
-      </p:sp>
+      <p:pic>
+        <p:nvPicPr>
+          <p:cNvPr id="9" name="Picture 8"/>
+          <p:cNvPicPr/>
+          <p:nvPr/>
+        </p:nvPicPr>
+        <p:blipFill>
+          <a:blip r:embed="rId1"/>
+          <a:stretch>
+            <a:fillRect/>
+          </a:stretch>
+        </p:blipFill>
+        <p:spPr>
+          <a:xfrm>
+            <a:off x="684700" y="1646238"/>
+            <a:ext cx="5476875" cy="3924300"/>
+          </a:xfrm>
+          <a:prstGeom prst="rect">
+            <a:avLst/>
+          </a:prstGeom>
+        </p:spPr>
+      </p:pic>
     </p:spTree>
-    <p:extLst>
-      <p:ext uri="{BB962C8B-B14F-4D97-AF65-F5344CB8AC3E}">
-        <p14:creationId xmlns:p14="http://schemas.microsoft.com/office/powerpoint/2010/main" val="1837567990"/>
-      </p:ext>
-    </p:extLst>
   </p:cSld>
   <p:clrMapOvr>
     <a:masterClrMapping/>
   </p:clrMapOvr>
-  <mc:AlternateContent xmlns:mc="http://schemas.openxmlformats.org/markup-compatibility/2006" xmlns:p14="http://schemas.microsoft.com/office/powerpoint/2010/main">
-    <mc:Choice Requires="p14">
+  <mc:AlternateContent xmlns:mc="http://schemas.openxmlformats.org/markup-compatibility/2006">
+    <mc:Choice xmlns:p14="http://schemas.microsoft.com/office/powerpoint/2010/main" Requires="p14">
       <p:transition spd="med" p14:dur="700">
         <p:fade/>
       </p:transition>
     </mc:Choice>
-    <mc:Fallback xmlns="">
+    <mc:Fallback>
       <p:transition spd="med">
         <p:fade/>
       </p:transition>
@@ -16790,7 +18826,7 @@
       </p:grpSpPr>
       <p:sp>
         <p:nvSpPr>
-          <p:cNvPr id="2" name="Title 1"/>
+          <p:cNvPr id="6" name="Title 5"/>
           <p:cNvSpPr>
             <a:spLocks noGrp="1"/>
           </p:cNvSpPr>
@@ -16805,53 +18841,68 @@
           <a:p>
             <a:r>
               <a:rPr lang="en-US" dirty="0"/>
-              <a:t>Future predictions</a:t>
+              <a:t>Exploratory Data Analysis</a:t>
             </a:r>
+            <a:endParaRPr lang="en-US" dirty="0"/>
           </a:p>
         </p:txBody>
       </p:sp>
-      <p:sp>
-        <p:nvSpPr>
-          <p:cNvPr id="3" name="Content Placeholder 2"/>
-          <p:cNvSpPr>
-            <a:spLocks noGrp="1"/>
-          </p:cNvSpPr>
-          <p:nvPr>
-            <p:ph idx="1"/>
-          </p:nvPr>
-        </p:nvSpPr>
-        <p:spPr/>
-        <p:txBody>
-          <a:bodyPr/>
-          <a:lstStyle/>
-          <a:p>
-            <a:r>
-              <a:rPr lang="en-US" dirty="0"/>
-              <a:t>Cleaning and replacing missing values</a:t>
-            </a:r>
-          </a:p>
-          <a:p>
-            <a:endParaRPr lang="en-US" dirty="0"/>
-          </a:p>
-        </p:txBody>
-      </p:sp>
+      <p:pic>
+        <p:nvPicPr>
+          <p:cNvPr id="5" name="Picture 4"/>
+          <p:cNvPicPr/>
+          <p:nvPr/>
+        </p:nvPicPr>
+        <p:blipFill>
+          <a:blip r:embed="rId1"/>
+          <a:stretch>
+            <a:fillRect/>
+          </a:stretch>
+        </p:blipFill>
+        <p:spPr>
+          <a:xfrm>
+            <a:off x="6163408" y="1904560"/>
+            <a:ext cx="5105033" cy="3502709"/>
+          </a:xfrm>
+          <a:prstGeom prst="rect">
+            <a:avLst/>
+          </a:prstGeom>
+        </p:spPr>
+      </p:pic>
+      <p:pic>
+        <p:nvPicPr>
+          <p:cNvPr id="7" name="Picture 6"/>
+          <p:cNvPicPr/>
+          <p:nvPr/>
+        </p:nvPicPr>
+        <p:blipFill>
+          <a:blip r:embed="rId2"/>
+          <a:stretch>
+            <a:fillRect/>
+          </a:stretch>
+        </p:blipFill>
+        <p:spPr>
+          <a:xfrm>
+            <a:off x="576629" y="1904560"/>
+            <a:ext cx="5074994" cy="3848954"/>
+          </a:xfrm>
+          <a:prstGeom prst="rect">
+            <a:avLst/>
+          </a:prstGeom>
+        </p:spPr>
+      </p:pic>
     </p:spTree>
-    <p:extLst>
-      <p:ext uri="{BB962C8B-B14F-4D97-AF65-F5344CB8AC3E}">
-        <p14:creationId xmlns:p14="http://schemas.microsoft.com/office/powerpoint/2010/main" val="2736655466"/>
-      </p:ext>
-    </p:extLst>
   </p:cSld>
   <p:clrMapOvr>
     <a:masterClrMapping/>
   </p:clrMapOvr>
-  <mc:AlternateContent xmlns:mc="http://schemas.openxmlformats.org/markup-compatibility/2006" xmlns:p14="http://schemas.microsoft.com/office/powerpoint/2010/main">
-    <mc:Choice Requires="p14">
+  <mc:AlternateContent xmlns:mc="http://schemas.openxmlformats.org/markup-compatibility/2006">
+    <mc:Choice xmlns:p14="http://schemas.microsoft.com/office/powerpoint/2010/main" Requires="p14">
       <p:transition spd="med" p14:dur="700">
         <p:fade/>
       </p:transition>
     </mc:Choice>
-    <mc:Fallback xmlns="">
+    <mc:Fallback>
       <p:transition spd="med">
         <p:fade/>
       </p:transition>
@@ -16879,7 +18930,7 @@
       </p:grpSpPr>
       <p:sp>
         <p:nvSpPr>
-          <p:cNvPr id="2" name="Title 1"/>
+          <p:cNvPr id="6" name="Title 5"/>
           <p:cNvSpPr>
             <a:spLocks noGrp="1"/>
           </p:cNvSpPr>
@@ -16894,59 +18945,68 @@
           <a:p>
             <a:r>
               <a:rPr lang="en-US" dirty="0"/>
-              <a:t>Classifications</a:t>
+              <a:t>Exploratory Data Analysis</a:t>
             </a:r>
+            <a:endParaRPr lang="en-US" dirty="0"/>
           </a:p>
         </p:txBody>
       </p:sp>
-      <p:sp>
-        <p:nvSpPr>
-          <p:cNvPr id="3" name="Content Placeholder 2"/>
-          <p:cNvSpPr>
-            <a:spLocks noGrp="1"/>
-          </p:cNvSpPr>
-          <p:nvPr>
-            <p:ph idx="1"/>
-          </p:nvPr>
-        </p:nvSpPr>
-        <p:spPr/>
-        <p:txBody>
-          <a:bodyPr/>
-          <a:lstStyle/>
-          <a:p>
-            <a:r>
-              <a:rPr lang="en-US" dirty="0"/>
-              <a:t>Selecting algorithms</a:t>
-            </a:r>
-          </a:p>
-          <a:p>
-            <a:r>
-              <a:rPr lang="en-US" dirty="0"/>
-              <a:t>Training testing on all quarters</a:t>
-            </a:r>
-          </a:p>
-          <a:p>
-            <a:endParaRPr lang="en-US" dirty="0"/>
-          </a:p>
-        </p:txBody>
-      </p:sp>
+      <p:pic>
+        <p:nvPicPr>
+          <p:cNvPr id="8" name="Picture 7"/>
+          <p:cNvPicPr/>
+          <p:nvPr/>
+        </p:nvPicPr>
+        <p:blipFill>
+          <a:blip r:embed="rId1"/>
+          <a:stretch>
+            <a:fillRect/>
+          </a:stretch>
+        </p:blipFill>
+        <p:spPr>
+          <a:xfrm>
+            <a:off x="1295400" y="2004206"/>
+            <a:ext cx="5062635" cy="3789924"/>
+          </a:xfrm>
+          <a:prstGeom prst="rect">
+            <a:avLst/>
+          </a:prstGeom>
+        </p:spPr>
+      </p:pic>
+      <p:pic>
+        <p:nvPicPr>
+          <p:cNvPr id="9" name="Picture 8"/>
+          <p:cNvPicPr/>
+          <p:nvPr/>
+        </p:nvPicPr>
+        <p:blipFill>
+          <a:blip r:embed="rId2"/>
+          <a:stretch>
+            <a:fillRect/>
+          </a:stretch>
+        </p:blipFill>
+        <p:spPr>
+          <a:xfrm>
+            <a:off x="6552028" y="2004206"/>
+            <a:ext cx="4834010" cy="3789924"/>
+          </a:xfrm>
+          <a:prstGeom prst="rect">
+            <a:avLst/>
+          </a:prstGeom>
+        </p:spPr>
+      </p:pic>
     </p:spTree>
-    <p:extLst>
-      <p:ext uri="{BB962C8B-B14F-4D97-AF65-F5344CB8AC3E}">
-        <p14:creationId xmlns:p14="http://schemas.microsoft.com/office/powerpoint/2010/main" val="1899921951"/>
-      </p:ext>
-    </p:extLst>
   </p:cSld>
   <p:clrMapOvr>
     <a:masterClrMapping/>
   </p:clrMapOvr>
-  <mc:AlternateContent xmlns:mc="http://schemas.openxmlformats.org/markup-compatibility/2006" xmlns:p14="http://schemas.microsoft.com/office/powerpoint/2010/main">
-    <mc:Choice Requires="p14">
+  <mc:AlternateContent xmlns:mc="http://schemas.openxmlformats.org/markup-compatibility/2006">
+    <mc:Choice xmlns:p14="http://schemas.microsoft.com/office/powerpoint/2010/main" Requires="p14">
       <p:transition spd="med" p14:dur="700">
         <p:fade/>
       </p:transition>
     </mc:Choice>
-    <mc:Fallback xmlns="">
+    <mc:Fallback>
       <p:transition spd="med">
         <p:fade/>
       </p:transition>
@@ -17206,11 +19266,9 @@
       </a:bgFillStyleLst>
     </a:fmtScheme>
   </a:themeElements>
-  <a:objectDefaults/>
-  <a:extraClrSchemeLst/>
   <a:extLst>
     <a:ext uri="{05A4C25C-085E-4340-85A3-A5531E510DB2}">
-      <thm15:themeFamily xmlns:thm15="http://schemas.microsoft.com/office/thememl/2012/main" name="Business diamond grid presentation (widescreen).potx" id="{B2221865-AD13-4DF0-B68E-BF08E8CC5659}" vid="{BAA0C488-98B6-4F47-8E1C-5C7CD9605F73}"/>
+      <thm15:themeFamily xmlns:thm15="http://schemas.microsoft.com/office/thememl/2012/main" name="Office Theme" id="{62F939B6-93AF-4DB8-9C6B-D6C7DFDC589F}" vid="{4A3C46E8-61CC-4603-A589-7422A47A8E4A}"/>
     </a:ext>
   </a:extLst>
 </a:theme>
@@ -17464,8 +19522,11 @@
       </a:bgFillStyleLst>
     </a:fmtScheme>
   </a:themeElements>
-  <a:objectDefaults/>
-  <a:extraClrSchemeLst/>
+  <a:extLst>
+    <a:ext uri="{05A4C25C-085E-4340-85A3-A5531E510DB2}">
+      <thm15:themeFamily xmlns:thm15="http://schemas.microsoft.com/office/thememl/2012/main" name="Office Theme" id="{62F939B6-93AF-4DB8-9C6B-D6C7DFDC589F}" vid="{4A3C46E8-61CC-4603-A589-7422A47A8E4A}"/>
+    </a:ext>
+  </a:extLst>
 </a:theme>
 </file>
 
@@ -17717,7 +19778,10 @@
       </a:bgFillStyleLst>
     </a:fmtScheme>
   </a:themeElements>
-  <a:objectDefaults/>
-  <a:extraClrSchemeLst/>
+  <a:extLst>
+    <a:ext uri="{05A4C25C-085E-4340-85A3-A5531E510DB2}">
+      <thm15:themeFamily xmlns:thm15="http://schemas.microsoft.com/office/thememl/2012/main" name="Office Theme" id="{62F939B6-93AF-4DB8-9C6B-D6C7DFDC589F}" vid="{4A3C46E8-61CC-4603-A589-7422A47A8E4A}"/>
+    </a:ext>
+  </a:extLst>
 </a:theme>
 </file>